--- a/最終企画発表用.pptx
+++ b/最終企画発表用.pptx
@@ -10,11 +10,11 @@
   <p:sldIdLst>
     <p:sldId id="256" r:id="rId2"/>
     <p:sldId id="257" r:id="rId3"/>
-    <p:sldId id="260" r:id="rId4"/>
-    <p:sldId id="258" r:id="rId5"/>
-    <p:sldId id="259" r:id="rId6"/>
+    <p:sldId id="258" r:id="rId4"/>
+    <p:sldId id="259" r:id="rId5"/>
+    <p:sldId id="260" r:id="rId6"/>
   </p:sldIdLst>
-  <p:sldSz cx="9144000" cy="6858000" type="screen4x3"/>
+  <p:sldSz cx="12192000" cy="6858000"/>
   <p:notesSz cx="6858000" cy="9144000"/>
   <p:defaultTextStyle>
     <a:defPPr>
@@ -111,6 +111,22 @@
       </a:defRPr>
     </a:lvl9pPr>
   </p:defaultTextStyle>
+  <p:extLst>
+    <p:ext uri="{EFAFB233-063F-42B5-8137-9DF3F51BA10A}">
+      <p15:sldGuideLst xmlns:p15="http://schemas.microsoft.com/office/powerpoint/2012/main">
+        <p15:guide id="1" orient="horz" pos="2160" userDrawn="1">
+          <p15:clr>
+            <a:srgbClr val="A4A3A4"/>
+          </p15:clr>
+        </p15:guide>
+        <p15:guide id="2" pos="3840" userDrawn="1">
+          <p15:clr>
+            <a:srgbClr val="A4A3A4"/>
+          </p15:clr>
+        </p15:guide>
+      </p15:sldGuideLst>
+    </p:ext>
+  </p:extLst>
 </p:presentation>
 </file>
 
@@ -214,8 +230,8 @@
         </p:nvSpPr>
         <p:spPr>
           <a:xfrm>
-            <a:off x="1143000" y="685800"/>
-            <a:ext cx="4572000" cy="3429000"/>
+            <a:off x="381000" y="685800"/>
+            <a:ext cx="6096000" cy="3429000"/>
           </a:xfrm>
           <a:prstGeom prst="rect">
             <a:avLst/>
@@ -260,70 +276,69 @@
           <a:p>
             <a:pPr lvl="0"/>
             <a:r>
-              <a:rPr kumimoji="1" lang="ja-JP" altLang="en-US" smtClean="0"/>
+              <a:rPr kumimoji="1" lang="ja-JP" altLang="en-US"/>
               <a:t>マスター テキストの書式設定</a:t>
             </a:r>
           </a:p>
           <a:p>
             <a:pPr lvl="1"/>
             <a:r>
-              <a:rPr kumimoji="1" lang="ja-JP" altLang="en-US" smtClean="0"/>
+              <a:rPr kumimoji="1" lang="ja-JP" altLang="en-US"/>
               <a:t>第 </a:t>
             </a:r>
             <a:r>
-              <a:rPr kumimoji="1" lang="en-US" altLang="ja-JP" smtClean="0"/>
+              <a:rPr kumimoji="1" lang="en-US" altLang="ja-JP"/>
               <a:t>2 </a:t>
             </a:r>
             <a:r>
-              <a:rPr kumimoji="1" lang="ja-JP" altLang="en-US" smtClean="0"/>
+              <a:rPr kumimoji="1" lang="ja-JP" altLang="en-US"/>
               <a:t>レベル</a:t>
             </a:r>
           </a:p>
           <a:p>
             <a:pPr lvl="2"/>
             <a:r>
-              <a:rPr kumimoji="1" lang="ja-JP" altLang="en-US" smtClean="0"/>
+              <a:rPr kumimoji="1" lang="ja-JP" altLang="en-US"/>
               <a:t>第 </a:t>
             </a:r>
             <a:r>
-              <a:rPr kumimoji="1" lang="en-US" altLang="ja-JP" smtClean="0"/>
+              <a:rPr kumimoji="1" lang="en-US" altLang="ja-JP"/>
               <a:t>3 </a:t>
             </a:r>
             <a:r>
-              <a:rPr kumimoji="1" lang="ja-JP" altLang="en-US" smtClean="0"/>
+              <a:rPr kumimoji="1" lang="ja-JP" altLang="en-US"/>
               <a:t>レベル</a:t>
             </a:r>
           </a:p>
           <a:p>
             <a:pPr lvl="3"/>
             <a:r>
-              <a:rPr kumimoji="1" lang="ja-JP" altLang="en-US" smtClean="0"/>
+              <a:rPr kumimoji="1" lang="ja-JP" altLang="en-US"/>
               <a:t>第 </a:t>
             </a:r>
             <a:r>
-              <a:rPr kumimoji="1" lang="en-US" altLang="ja-JP" smtClean="0"/>
+              <a:rPr kumimoji="1" lang="en-US" altLang="ja-JP"/>
               <a:t>4 </a:t>
             </a:r>
             <a:r>
-              <a:rPr kumimoji="1" lang="ja-JP" altLang="en-US" smtClean="0"/>
+              <a:rPr kumimoji="1" lang="ja-JP" altLang="en-US"/>
               <a:t>レベル</a:t>
             </a:r>
           </a:p>
           <a:p>
             <a:pPr lvl="4"/>
             <a:r>
-              <a:rPr kumimoji="1" lang="ja-JP" altLang="en-US" smtClean="0"/>
+              <a:rPr kumimoji="1" lang="ja-JP" altLang="en-US"/>
               <a:t>第 </a:t>
             </a:r>
             <a:r>
-              <a:rPr kumimoji="1" lang="en-US" altLang="ja-JP" smtClean="0"/>
+              <a:rPr kumimoji="1" lang="en-US" altLang="ja-JP"/>
               <a:t>5 </a:t>
             </a:r>
             <a:r>
-              <a:rPr kumimoji="1" lang="ja-JP" altLang="en-US" smtClean="0"/>
+              <a:rPr kumimoji="1" lang="ja-JP" altLang="en-US"/>
               <a:t>レベル</a:t>
             </a:r>
-            <a:endParaRPr kumimoji="1" lang="ja-JP" altLang="en-US"/>
           </a:p>
         </p:txBody>
       </p:sp>
@@ -523,7 +538,12 @@
             <p:ph type="sldImg"/>
           </p:nvPr>
         </p:nvSpPr>
-        <p:spPr/>
+        <p:spPr>
+          <a:xfrm>
+            <a:off x="381000" y="685800"/>
+            <a:ext cx="6096000" cy="3429000"/>
+          </a:xfrm>
+        </p:spPr>
       </p:sp>
       <p:sp>
         <p:nvSpPr>
@@ -561,7 +581,7 @@
           <a:p>
             <a:fld id="{C4978C94-9BE2-460C-965A-85D896A35326}" type="slidenum">
               <a:rPr kumimoji="1" lang="ja-JP" altLang="en-US" smtClean="0"/>
-              <a:t>5</a:t>
+              <a:t>4</a:t>
             </a:fld>
             <a:endParaRPr kumimoji="1" lang="ja-JP" altLang="en-US"/>
           </a:p>
@@ -609,8 +629,8 @@
         </p:nvSpPr>
         <p:spPr>
           <a:xfrm>
-            <a:off x="685800" y="2130425"/>
-            <a:ext cx="7772400" cy="1470025"/>
+            <a:off x="914400" y="2130426"/>
+            <a:ext cx="10363200" cy="1470025"/>
           </a:xfrm>
         </p:spPr>
         <p:txBody>
@@ -618,10 +638,9 @@
           <a:lstStyle/>
           <a:p>
             <a:r>
-              <a:rPr kumimoji="1" lang="ja-JP" altLang="en-US" smtClean="0"/>
+              <a:rPr kumimoji="1" lang="ja-JP" altLang="en-US"/>
               <a:t>マスター タイトルの書式設定</a:t>
             </a:r>
-            <a:endParaRPr kumimoji="1" lang="ja-JP" altLang="en-US"/>
           </a:p>
         </p:txBody>
       </p:sp>
@@ -637,8 +656,8 @@
         </p:nvSpPr>
         <p:spPr>
           <a:xfrm>
-            <a:off x="1371600" y="3886200"/>
-            <a:ext cx="6400800" cy="1752600"/>
+            <a:off x="1828800" y="3886200"/>
+            <a:ext cx="8534400" cy="1752600"/>
           </a:xfrm>
         </p:spPr>
         <p:txBody>
@@ -737,10 +756,9 @@
           </a:lstStyle>
           <a:p>
             <a:r>
-              <a:rPr kumimoji="1" lang="ja-JP" altLang="en-US" smtClean="0"/>
+              <a:rPr kumimoji="1" lang="ja-JP" altLang="en-US"/>
               <a:t>マスター サブタイトルの書式設定</a:t>
             </a:r>
-            <a:endParaRPr kumimoji="1" lang="ja-JP" altLang="en-US"/>
           </a:p>
         </p:txBody>
       </p:sp>
@@ -855,10 +873,9 @@
           <a:lstStyle/>
           <a:p>
             <a:r>
-              <a:rPr kumimoji="1" lang="ja-JP" altLang="en-US" smtClean="0"/>
+              <a:rPr kumimoji="1" lang="ja-JP" altLang="en-US"/>
               <a:t>マスター タイトルの書式設定</a:t>
             </a:r>
-            <a:endParaRPr kumimoji="1" lang="ja-JP" altLang="en-US"/>
           </a:p>
         </p:txBody>
       </p:sp>
@@ -879,70 +896,69 @@
           <a:p>
             <a:pPr lvl="0"/>
             <a:r>
-              <a:rPr kumimoji="1" lang="ja-JP" altLang="en-US" smtClean="0"/>
+              <a:rPr kumimoji="1" lang="ja-JP" altLang="en-US"/>
               <a:t>マスター テキストの書式設定</a:t>
             </a:r>
           </a:p>
           <a:p>
             <a:pPr lvl="1"/>
             <a:r>
-              <a:rPr kumimoji="1" lang="ja-JP" altLang="en-US" smtClean="0"/>
+              <a:rPr kumimoji="1" lang="ja-JP" altLang="en-US"/>
               <a:t>第 </a:t>
             </a:r>
             <a:r>
-              <a:rPr kumimoji="1" lang="en-US" altLang="ja-JP" smtClean="0"/>
+              <a:rPr kumimoji="1" lang="en-US" altLang="ja-JP"/>
               <a:t>2 </a:t>
             </a:r>
             <a:r>
-              <a:rPr kumimoji="1" lang="ja-JP" altLang="en-US" smtClean="0"/>
+              <a:rPr kumimoji="1" lang="ja-JP" altLang="en-US"/>
               <a:t>レベル</a:t>
             </a:r>
           </a:p>
           <a:p>
             <a:pPr lvl="2"/>
             <a:r>
-              <a:rPr kumimoji="1" lang="ja-JP" altLang="en-US" smtClean="0"/>
+              <a:rPr kumimoji="1" lang="ja-JP" altLang="en-US"/>
               <a:t>第 </a:t>
             </a:r>
             <a:r>
-              <a:rPr kumimoji="1" lang="en-US" altLang="ja-JP" smtClean="0"/>
+              <a:rPr kumimoji="1" lang="en-US" altLang="ja-JP"/>
               <a:t>3 </a:t>
             </a:r>
             <a:r>
-              <a:rPr kumimoji="1" lang="ja-JP" altLang="en-US" smtClean="0"/>
+              <a:rPr kumimoji="1" lang="ja-JP" altLang="en-US"/>
               <a:t>レベル</a:t>
             </a:r>
           </a:p>
           <a:p>
             <a:pPr lvl="3"/>
             <a:r>
-              <a:rPr kumimoji="1" lang="ja-JP" altLang="en-US" smtClean="0"/>
+              <a:rPr kumimoji="1" lang="ja-JP" altLang="en-US"/>
               <a:t>第 </a:t>
             </a:r>
             <a:r>
-              <a:rPr kumimoji="1" lang="en-US" altLang="ja-JP" smtClean="0"/>
+              <a:rPr kumimoji="1" lang="en-US" altLang="ja-JP"/>
               <a:t>4 </a:t>
             </a:r>
             <a:r>
-              <a:rPr kumimoji="1" lang="ja-JP" altLang="en-US" smtClean="0"/>
+              <a:rPr kumimoji="1" lang="ja-JP" altLang="en-US"/>
               <a:t>レベル</a:t>
             </a:r>
           </a:p>
           <a:p>
             <a:pPr lvl="4"/>
             <a:r>
-              <a:rPr kumimoji="1" lang="ja-JP" altLang="en-US" smtClean="0"/>
+              <a:rPr kumimoji="1" lang="ja-JP" altLang="en-US"/>
               <a:t>第 </a:t>
             </a:r>
             <a:r>
-              <a:rPr kumimoji="1" lang="en-US" altLang="ja-JP" smtClean="0"/>
+              <a:rPr kumimoji="1" lang="en-US" altLang="ja-JP"/>
               <a:t>5 </a:t>
             </a:r>
             <a:r>
-              <a:rPr kumimoji="1" lang="ja-JP" altLang="en-US" smtClean="0"/>
+              <a:rPr kumimoji="1" lang="ja-JP" altLang="en-US"/>
               <a:t>レベル</a:t>
             </a:r>
-            <a:endParaRPr kumimoji="1" lang="ja-JP" altLang="en-US"/>
           </a:p>
         </p:txBody>
       </p:sp>
@@ -1053,8 +1069,8 @@
         </p:nvSpPr>
         <p:spPr>
           <a:xfrm>
-            <a:off x="6629400" y="274638"/>
-            <a:ext cx="2057400" cy="5851525"/>
+            <a:off x="8839200" y="274639"/>
+            <a:ext cx="2743200" cy="5851525"/>
           </a:xfrm>
         </p:spPr>
         <p:txBody>
@@ -1062,10 +1078,9 @@
           <a:lstStyle/>
           <a:p>
             <a:r>
-              <a:rPr kumimoji="1" lang="ja-JP" altLang="en-US" smtClean="0"/>
+              <a:rPr kumimoji="1" lang="ja-JP" altLang="en-US"/>
               <a:t>マスター タイトルの書式設定</a:t>
             </a:r>
-            <a:endParaRPr kumimoji="1" lang="ja-JP" altLang="en-US"/>
           </a:p>
         </p:txBody>
       </p:sp>
@@ -1081,8 +1096,8 @@
         </p:nvSpPr>
         <p:spPr>
           <a:xfrm>
-            <a:off x="457200" y="274638"/>
-            <a:ext cx="6019800" cy="5851525"/>
+            <a:off x="609600" y="274639"/>
+            <a:ext cx="8026400" cy="5851525"/>
           </a:xfrm>
         </p:spPr>
         <p:txBody>
@@ -1091,70 +1106,69 @@
           <a:p>
             <a:pPr lvl="0"/>
             <a:r>
-              <a:rPr kumimoji="1" lang="ja-JP" altLang="en-US" smtClean="0"/>
+              <a:rPr kumimoji="1" lang="ja-JP" altLang="en-US"/>
               <a:t>マスター テキストの書式設定</a:t>
             </a:r>
           </a:p>
           <a:p>
             <a:pPr lvl="1"/>
             <a:r>
-              <a:rPr kumimoji="1" lang="ja-JP" altLang="en-US" smtClean="0"/>
+              <a:rPr kumimoji="1" lang="ja-JP" altLang="en-US"/>
               <a:t>第 </a:t>
             </a:r>
             <a:r>
-              <a:rPr kumimoji="1" lang="en-US" altLang="ja-JP" smtClean="0"/>
+              <a:rPr kumimoji="1" lang="en-US" altLang="ja-JP"/>
               <a:t>2 </a:t>
             </a:r>
             <a:r>
-              <a:rPr kumimoji="1" lang="ja-JP" altLang="en-US" smtClean="0"/>
+              <a:rPr kumimoji="1" lang="ja-JP" altLang="en-US"/>
               <a:t>レベル</a:t>
             </a:r>
           </a:p>
           <a:p>
             <a:pPr lvl="2"/>
             <a:r>
-              <a:rPr kumimoji="1" lang="ja-JP" altLang="en-US" smtClean="0"/>
+              <a:rPr kumimoji="1" lang="ja-JP" altLang="en-US"/>
               <a:t>第 </a:t>
             </a:r>
             <a:r>
-              <a:rPr kumimoji="1" lang="en-US" altLang="ja-JP" smtClean="0"/>
+              <a:rPr kumimoji="1" lang="en-US" altLang="ja-JP"/>
               <a:t>3 </a:t>
             </a:r>
             <a:r>
-              <a:rPr kumimoji="1" lang="ja-JP" altLang="en-US" smtClean="0"/>
+              <a:rPr kumimoji="1" lang="ja-JP" altLang="en-US"/>
               <a:t>レベル</a:t>
             </a:r>
           </a:p>
           <a:p>
             <a:pPr lvl="3"/>
             <a:r>
-              <a:rPr kumimoji="1" lang="ja-JP" altLang="en-US" smtClean="0"/>
+              <a:rPr kumimoji="1" lang="ja-JP" altLang="en-US"/>
               <a:t>第 </a:t>
             </a:r>
             <a:r>
-              <a:rPr kumimoji="1" lang="en-US" altLang="ja-JP" smtClean="0"/>
+              <a:rPr kumimoji="1" lang="en-US" altLang="ja-JP"/>
               <a:t>4 </a:t>
             </a:r>
             <a:r>
-              <a:rPr kumimoji="1" lang="ja-JP" altLang="en-US" smtClean="0"/>
+              <a:rPr kumimoji="1" lang="ja-JP" altLang="en-US"/>
               <a:t>レベル</a:t>
             </a:r>
           </a:p>
           <a:p>
             <a:pPr lvl="4"/>
             <a:r>
-              <a:rPr kumimoji="1" lang="ja-JP" altLang="en-US" smtClean="0"/>
+              <a:rPr kumimoji="1" lang="ja-JP" altLang="en-US"/>
               <a:t>第 </a:t>
             </a:r>
             <a:r>
-              <a:rPr kumimoji="1" lang="en-US" altLang="ja-JP" smtClean="0"/>
+              <a:rPr kumimoji="1" lang="en-US" altLang="ja-JP"/>
               <a:t>5 </a:t>
             </a:r>
             <a:r>
-              <a:rPr kumimoji="1" lang="ja-JP" altLang="en-US" smtClean="0"/>
+              <a:rPr kumimoji="1" lang="ja-JP" altLang="en-US"/>
               <a:t>レベル</a:t>
             </a:r>
-            <a:endParaRPr kumimoji="1" lang="ja-JP" altLang="en-US"/>
           </a:p>
         </p:txBody>
       </p:sp>
@@ -1269,10 +1283,9 @@
           <a:lstStyle/>
           <a:p>
             <a:r>
-              <a:rPr kumimoji="1" lang="ja-JP" altLang="en-US" smtClean="0"/>
+              <a:rPr kumimoji="1" lang="ja-JP" altLang="en-US"/>
               <a:t>マスター タイトルの書式設定</a:t>
             </a:r>
-            <a:endParaRPr kumimoji="1" lang="ja-JP" altLang="en-US"/>
           </a:p>
         </p:txBody>
       </p:sp>
@@ -1293,70 +1306,69 @@
           <a:p>
             <a:pPr lvl="0"/>
             <a:r>
-              <a:rPr kumimoji="1" lang="ja-JP" altLang="en-US" smtClean="0"/>
+              <a:rPr kumimoji="1" lang="ja-JP" altLang="en-US"/>
               <a:t>マスター テキストの書式設定</a:t>
             </a:r>
           </a:p>
           <a:p>
             <a:pPr lvl="1"/>
             <a:r>
-              <a:rPr kumimoji="1" lang="ja-JP" altLang="en-US" smtClean="0"/>
+              <a:rPr kumimoji="1" lang="ja-JP" altLang="en-US"/>
               <a:t>第 </a:t>
             </a:r>
             <a:r>
-              <a:rPr kumimoji="1" lang="en-US" altLang="ja-JP" smtClean="0"/>
+              <a:rPr kumimoji="1" lang="en-US" altLang="ja-JP"/>
               <a:t>2 </a:t>
             </a:r>
             <a:r>
-              <a:rPr kumimoji="1" lang="ja-JP" altLang="en-US" smtClean="0"/>
+              <a:rPr kumimoji="1" lang="ja-JP" altLang="en-US"/>
               <a:t>レベル</a:t>
             </a:r>
           </a:p>
           <a:p>
             <a:pPr lvl="2"/>
             <a:r>
-              <a:rPr kumimoji="1" lang="ja-JP" altLang="en-US" smtClean="0"/>
+              <a:rPr kumimoji="1" lang="ja-JP" altLang="en-US"/>
               <a:t>第 </a:t>
             </a:r>
             <a:r>
-              <a:rPr kumimoji="1" lang="en-US" altLang="ja-JP" smtClean="0"/>
+              <a:rPr kumimoji="1" lang="en-US" altLang="ja-JP"/>
               <a:t>3 </a:t>
             </a:r>
             <a:r>
-              <a:rPr kumimoji="1" lang="ja-JP" altLang="en-US" smtClean="0"/>
+              <a:rPr kumimoji="1" lang="ja-JP" altLang="en-US"/>
               <a:t>レベル</a:t>
             </a:r>
           </a:p>
           <a:p>
             <a:pPr lvl="3"/>
             <a:r>
-              <a:rPr kumimoji="1" lang="ja-JP" altLang="en-US" smtClean="0"/>
+              <a:rPr kumimoji="1" lang="ja-JP" altLang="en-US"/>
               <a:t>第 </a:t>
             </a:r>
             <a:r>
-              <a:rPr kumimoji="1" lang="en-US" altLang="ja-JP" smtClean="0"/>
+              <a:rPr kumimoji="1" lang="en-US" altLang="ja-JP"/>
               <a:t>4 </a:t>
             </a:r>
             <a:r>
-              <a:rPr kumimoji="1" lang="ja-JP" altLang="en-US" smtClean="0"/>
+              <a:rPr kumimoji="1" lang="ja-JP" altLang="en-US"/>
               <a:t>レベル</a:t>
             </a:r>
           </a:p>
           <a:p>
             <a:pPr lvl="4"/>
             <a:r>
-              <a:rPr kumimoji="1" lang="ja-JP" altLang="en-US" smtClean="0"/>
+              <a:rPr kumimoji="1" lang="ja-JP" altLang="en-US"/>
               <a:t>第 </a:t>
             </a:r>
             <a:r>
-              <a:rPr kumimoji="1" lang="en-US" altLang="ja-JP" smtClean="0"/>
+              <a:rPr kumimoji="1" lang="en-US" altLang="ja-JP"/>
               <a:t>5 </a:t>
             </a:r>
             <a:r>
-              <a:rPr kumimoji="1" lang="ja-JP" altLang="en-US" smtClean="0"/>
+              <a:rPr kumimoji="1" lang="ja-JP" altLang="en-US"/>
               <a:t>レベル</a:t>
             </a:r>
-            <a:endParaRPr kumimoji="1" lang="ja-JP" altLang="en-US"/>
           </a:p>
         </p:txBody>
       </p:sp>
@@ -1467,8 +1479,8 @@
         </p:nvSpPr>
         <p:spPr>
           <a:xfrm>
-            <a:off x="722313" y="4406900"/>
-            <a:ext cx="7772400" cy="1362075"/>
+            <a:off x="963084" y="4406901"/>
+            <a:ext cx="10363200" cy="1362075"/>
           </a:xfrm>
         </p:spPr>
         <p:txBody>
@@ -1480,10 +1492,9 @@
           </a:lstStyle>
           <a:p>
             <a:r>
-              <a:rPr kumimoji="1" lang="ja-JP" altLang="en-US" smtClean="0"/>
+              <a:rPr kumimoji="1" lang="ja-JP" altLang="en-US"/>
               <a:t>マスター タイトルの書式設定</a:t>
             </a:r>
-            <a:endParaRPr kumimoji="1" lang="ja-JP" altLang="en-US"/>
           </a:p>
         </p:txBody>
       </p:sp>
@@ -1499,8 +1510,8 @@
         </p:nvSpPr>
         <p:spPr>
           <a:xfrm>
-            <a:off x="722313" y="2906713"/>
-            <a:ext cx="7772400" cy="1500187"/>
+            <a:off x="963084" y="2906713"/>
+            <a:ext cx="10363200" cy="1500187"/>
           </a:xfrm>
         </p:spPr>
         <p:txBody>
@@ -1600,7 +1611,7 @@
           <a:p>
             <a:pPr lvl="0"/>
             <a:r>
-              <a:rPr kumimoji="1" lang="ja-JP" altLang="en-US" smtClean="0"/>
+              <a:rPr kumimoji="1" lang="ja-JP" altLang="en-US"/>
               <a:t>マスター テキストの書式設定</a:t>
             </a:r>
           </a:p>
@@ -1717,10 +1728,9 @@
           <a:lstStyle/>
           <a:p>
             <a:r>
-              <a:rPr kumimoji="1" lang="ja-JP" altLang="en-US" smtClean="0"/>
+              <a:rPr kumimoji="1" lang="ja-JP" altLang="en-US"/>
               <a:t>マスター タイトルの書式設定</a:t>
             </a:r>
-            <a:endParaRPr kumimoji="1" lang="ja-JP" altLang="en-US"/>
           </a:p>
         </p:txBody>
       </p:sp>
@@ -1736,8 +1746,8 @@
         </p:nvSpPr>
         <p:spPr>
           <a:xfrm>
-            <a:off x="457200" y="1600200"/>
-            <a:ext cx="4038600" cy="4525963"/>
+            <a:off x="609600" y="1600201"/>
+            <a:ext cx="5384800" cy="4525963"/>
           </a:xfrm>
         </p:spPr>
         <p:txBody>
@@ -1774,70 +1784,69 @@
           <a:p>
             <a:pPr lvl="0"/>
             <a:r>
-              <a:rPr kumimoji="1" lang="ja-JP" altLang="en-US" smtClean="0"/>
+              <a:rPr kumimoji="1" lang="ja-JP" altLang="en-US"/>
               <a:t>マスター テキストの書式設定</a:t>
             </a:r>
           </a:p>
           <a:p>
             <a:pPr lvl="1"/>
             <a:r>
-              <a:rPr kumimoji="1" lang="ja-JP" altLang="en-US" smtClean="0"/>
+              <a:rPr kumimoji="1" lang="ja-JP" altLang="en-US"/>
               <a:t>第 </a:t>
             </a:r>
             <a:r>
-              <a:rPr kumimoji="1" lang="en-US" altLang="ja-JP" smtClean="0"/>
+              <a:rPr kumimoji="1" lang="en-US" altLang="ja-JP"/>
               <a:t>2 </a:t>
             </a:r>
             <a:r>
-              <a:rPr kumimoji="1" lang="ja-JP" altLang="en-US" smtClean="0"/>
+              <a:rPr kumimoji="1" lang="ja-JP" altLang="en-US"/>
               <a:t>レベル</a:t>
             </a:r>
           </a:p>
           <a:p>
             <a:pPr lvl="2"/>
             <a:r>
-              <a:rPr kumimoji="1" lang="ja-JP" altLang="en-US" smtClean="0"/>
+              <a:rPr kumimoji="1" lang="ja-JP" altLang="en-US"/>
               <a:t>第 </a:t>
             </a:r>
             <a:r>
-              <a:rPr kumimoji="1" lang="en-US" altLang="ja-JP" smtClean="0"/>
+              <a:rPr kumimoji="1" lang="en-US" altLang="ja-JP"/>
               <a:t>3 </a:t>
             </a:r>
             <a:r>
-              <a:rPr kumimoji="1" lang="ja-JP" altLang="en-US" smtClean="0"/>
+              <a:rPr kumimoji="1" lang="ja-JP" altLang="en-US"/>
               <a:t>レベル</a:t>
             </a:r>
           </a:p>
           <a:p>
             <a:pPr lvl="3"/>
             <a:r>
-              <a:rPr kumimoji="1" lang="ja-JP" altLang="en-US" smtClean="0"/>
+              <a:rPr kumimoji="1" lang="ja-JP" altLang="en-US"/>
               <a:t>第 </a:t>
             </a:r>
             <a:r>
-              <a:rPr kumimoji="1" lang="en-US" altLang="ja-JP" smtClean="0"/>
+              <a:rPr kumimoji="1" lang="en-US" altLang="ja-JP"/>
               <a:t>4 </a:t>
             </a:r>
             <a:r>
-              <a:rPr kumimoji="1" lang="ja-JP" altLang="en-US" smtClean="0"/>
+              <a:rPr kumimoji="1" lang="ja-JP" altLang="en-US"/>
               <a:t>レベル</a:t>
             </a:r>
           </a:p>
           <a:p>
             <a:pPr lvl="4"/>
             <a:r>
-              <a:rPr kumimoji="1" lang="ja-JP" altLang="en-US" smtClean="0"/>
+              <a:rPr kumimoji="1" lang="ja-JP" altLang="en-US"/>
               <a:t>第 </a:t>
             </a:r>
             <a:r>
-              <a:rPr kumimoji="1" lang="en-US" altLang="ja-JP" smtClean="0"/>
+              <a:rPr kumimoji="1" lang="en-US" altLang="ja-JP"/>
               <a:t>5 </a:t>
             </a:r>
             <a:r>
-              <a:rPr kumimoji="1" lang="ja-JP" altLang="en-US" smtClean="0"/>
+              <a:rPr kumimoji="1" lang="ja-JP" altLang="en-US"/>
               <a:t>レベル</a:t>
             </a:r>
-            <a:endParaRPr kumimoji="1" lang="ja-JP" altLang="en-US"/>
           </a:p>
         </p:txBody>
       </p:sp>
@@ -1853,8 +1862,8 @@
         </p:nvSpPr>
         <p:spPr>
           <a:xfrm>
-            <a:off x="4648200" y="1600200"/>
-            <a:ext cx="4038600" cy="4525963"/>
+            <a:off x="6197600" y="1600201"/>
+            <a:ext cx="5384800" cy="4525963"/>
           </a:xfrm>
         </p:spPr>
         <p:txBody>
@@ -1891,70 +1900,69 @@
           <a:p>
             <a:pPr lvl="0"/>
             <a:r>
-              <a:rPr kumimoji="1" lang="ja-JP" altLang="en-US" smtClean="0"/>
+              <a:rPr kumimoji="1" lang="ja-JP" altLang="en-US"/>
               <a:t>マスター テキストの書式設定</a:t>
             </a:r>
           </a:p>
           <a:p>
             <a:pPr lvl="1"/>
             <a:r>
-              <a:rPr kumimoji="1" lang="ja-JP" altLang="en-US" smtClean="0"/>
+              <a:rPr kumimoji="1" lang="ja-JP" altLang="en-US"/>
               <a:t>第 </a:t>
             </a:r>
             <a:r>
-              <a:rPr kumimoji="1" lang="en-US" altLang="ja-JP" smtClean="0"/>
+              <a:rPr kumimoji="1" lang="en-US" altLang="ja-JP"/>
               <a:t>2 </a:t>
             </a:r>
             <a:r>
-              <a:rPr kumimoji="1" lang="ja-JP" altLang="en-US" smtClean="0"/>
+              <a:rPr kumimoji="1" lang="ja-JP" altLang="en-US"/>
               <a:t>レベル</a:t>
             </a:r>
           </a:p>
           <a:p>
             <a:pPr lvl="2"/>
             <a:r>
-              <a:rPr kumimoji="1" lang="ja-JP" altLang="en-US" smtClean="0"/>
+              <a:rPr kumimoji="1" lang="ja-JP" altLang="en-US"/>
               <a:t>第 </a:t>
             </a:r>
             <a:r>
-              <a:rPr kumimoji="1" lang="en-US" altLang="ja-JP" smtClean="0"/>
+              <a:rPr kumimoji="1" lang="en-US" altLang="ja-JP"/>
               <a:t>3 </a:t>
             </a:r>
             <a:r>
-              <a:rPr kumimoji="1" lang="ja-JP" altLang="en-US" smtClean="0"/>
+              <a:rPr kumimoji="1" lang="ja-JP" altLang="en-US"/>
               <a:t>レベル</a:t>
             </a:r>
           </a:p>
           <a:p>
             <a:pPr lvl="3"/>
             <a:r>
-              <a:rPr kumimoji="1" lang="ja-JP" altLang="en-US" smtClean="0"/>
+              <a:rPr kumimoji="1" lang="ja-JP" altLang="en-US"/>
               <a:t>第 </a:t>
             </a:r>
             <a:r>
-              <a:rPr kumimoji="1" lang="en-US" altLang="ja-JP" smtClean="0"/>
+              <a:rPr kumimoji="1" lang="en-US" altLang="ja-JP"/>
               <a:t>4 </a:t>
             </a:r>
             <a:r>
-              <a:rPr kumimoji="1" lang="ja-JP" altLang="en-US" smtClean="0"/>
+              <a:rPr kumimoji="1" lang="ja-JP" altLang="en-US"/>
               <a:t>レベル</a:t>
             </a:r>
           </a:p>
           <a:p>
             <a:pPr lvl="4"/>
             <a:r>
-              <a:rPr kumimoji="1" lang="ja-JP" altLang="en-US" smtClean="0"/>
+              <a:rPr kumimoji="1" lang="ja-JP" altLang="en-US"/>
               <a:t>第 </a:t>
             </a:r>
             <a:r>
-              <a:rPr kumimoji="1" lang="en-US" altLang="ja-JP" smtClean="0"/>
+              <a:rPr kumimoji="1" lang="en-US" altLang="ja-JP"/>
               <a:t>5 </a:t>
             </a:r>
             <a:r>
-              <a:rPr kumimoji="1" lang="ja-JP" altLang="en-US" smtClean="0"/>
+              <a:rPr kumimoji="1" lang="ja-JP" altLang="en-US"/>
               <a:t>レベル</a:t>
             </a:r>
-            <a:endParaRPr kumimoji="1" lang="ja-JP" altLang="en-US"/>
           </a:p>
         </p:txBody>
       </p:sp>
@@ -2073,10 +2081,9 @@
           </a:lstStyle>
           <a:p>
             <a:r>
-              <a:rPr kumimoji="1" lang="ja-JP" altLang="en-US" smtClean="0"/>
+              <a:rPr kumimoji="1" lang="ja-JP" altLang="en-US"/>
               <a:t>マスター タイトルの書式設定</a:t>
             </a:r>
-            <a:endParaRPr kumimoji="1" lang="ja-JP" altLang="en-US"/>
           </a:p>
         </p:txBody>
       </p:sp>
@@ -2092,8 +2099,8 @@
         </p:nvSpPr>
         <p:spPr>
           <a:xfrm>
-            <a:off x="457200" y="1535113"/>
-            <a:ext cx="4040188" cy="639762"/>
+            <a:off x="609600" y="1535113"/>
+            <a:ext cx="5386917" cy="639762"/>
           </a:xfrm>
         </p:spPr>
         <p:txBody>
@@ -2139,7 +2146,7 @@
           <a:p>
             <a:pPr lvl="0"/>
             <a:r>
-              <a:rPr kumimoji="1" lang="ja-JP" altLang="en-US" smtClean="0"/>
+              <a:rPr kumimoji="1" lang="ja-JP" altLang="en-US"/>
               <a:t>マスター テキストの書式設定</a:t>
             </a:r>
           </a:p>
@@ -2157,8 +2164,8 @@
         </p:nvSpPr>
         <p:spPr>
           <a:xfrm>
-            <a:off x="457200" y="2174875"/>
-            <a:ext cx="4040188" cy="3951288"/>
+            <a:off x="609600" y="2174875"/>
+            <a:ext cx="5386917" cy="3951288"/>
           </a:xfrm>
         </p:spPr>
         <p:txBody>
@@ -2195,70 +2202,69 @@
           <a:p>
             <a:pPr lvl="0"/>
             <a:r>
-              <a:rPr kumimoji="1" lang="ja-JP" altLang="en-US" smtClean="0"/>
+              <a:rPr kumimoji="1" lang="ja-JP" altLang="en-US"/>
               <a:t>マスター テキストの書式設定</a:t>
             </a:r>
           </a:p>
           <a:p>
             <a:pPr lvl="1"/>
             <a:r>
-              <a:rPr kumimoji="1" lang="ja-JP" altLang="en-US" smtClean="0"/>
+              <a:rPr kumimoji="1" lang="ja-JP" altLang="en-US"/>
               <a:t>第 </a:t>
             </a:r>
             <a:r>
-              <a:rPr kumimoji="1" lang="en-US" altLang="ja-JP" smtClean="0"/>
+              <a:rPr kumimoji="1" lang="en-US" altLang="ja-JP"/>
               <a:t>2 </a:t>
             </a:r>
             <a:r>
-              <a:rPr kumimoji="1" lang="ja-JP" altLang="en-US" smtClean="0"/>
+              <a:rPr kumimoji="1" lang="ja-JP" altLang="en-US"/>
               <a:t>レベル</a:t>
             </a:r>
           </a:p>
           <a:p>
             <a:pPr lvl="2"/>
             <a:r>
-              <a:rPr kumimoji="1" lang="ja-JP" altLang="en-US" smtClean="0"/>
+              <a:rPr kumimoji="1" lang="ja-JP" altLang="en-US"/>
               <a:t>第 </a:t>
             </a:r>
             <a:r>
-              <a:rPr kumimoji="1" lang="en-US" altLang="ja-JP" smtClean="0"/>
+              <a:rPr kumimoji="1" lang="en-US" altLang="ja-JP"/>
               <a:t>3 </a:t>
             </a:r>
             <a:r>
-              <a:rPr kumimoji="1" lang="ja-JP" altLang="en-US" smtClean="0"/>
+              <a:rPr kumimoji="1" lang="ja-JP" altLang="en-US"/>
               <a:t>レベル</a:t>
             </a:r>
           </a:p>
           <a:p>
             <a:pPr lvl="3"/>
             <a:r>
-              <a:rPr kumimoji="1" lang="ja-JP" altLang="en-US" smtClean="0"/>
+              <a:rPr kumimoji="1" lang="ja-JP" altLang="en-US"/>
               <a:t>第 </a:t>
             </a:r>
             <a:r>
-              <a:rPr kumimoji="1" lang="en-US" altLang="ja-JP" smtClean="0"/>
+              <a:rPr kumimoji="1" lang="en-US" altLang="ja-JP"/>
               <a:t>4 </a:t>
             </a:r>
             <a:r>
-              <a:rPr kumimoji="1" lang="ja-JP" altLang="en-US" smtClean="0"/>
+              <a:rPr kumimoji="1" lang="ja-JP" altLang="en-US"/>
               <a:t>レベル</a:t>
             </a:r>
           </a:p>
           <a:p>
             <a:pPr lvl="4"/>
             <a:r>
-              <a:rPr kumimoji="1" lang="ja-JP" altLang="en-US" smtClean="0"/>
+              <a:rPr kumimoji="1" lang="ja-JP" altLang="en-US"/>
               <a:t>第 </a:t>
             </a:r>
             <a:r>
-              <a:rPr kumimoji="1" lang="en-US" altLang="ja-JP" smtClean="0"/>
+              <a:rPr kumimoji="1" lang="en-US" altLang="ja-JP"/>
               <a:t>5 </a:t>
             </a:r>
             <a:r>
-              <a:rPr kumimoji="1" lang="ja-JP" altLang="en-US" smtClean="0"/>
+              <a:rPr kumimoji="1" lang="ja-JP" altLang="en-US"/>
               <a:t>レベル</a:t>
             </a:r>
-            <a:endParaRPr kumimoji="1" lang="ja-JP" altLang="en-US"/>
           </a:p>
         </p:txBody>
       </p:sp>
@@ -2274,8 +2280,8 @@
         </p:nvSpPr>
         <p:spPr>
           <a:xfrm>
-            <a:off x="4645025" y="1535113"/>
-            <a:ext cx="4041775" cy="639762"/>
+            <a:off x="6193368" y="1535113"/>
+            <a:ext cx="5389033" cy="639762"/>
           </a:xfrm>
         </p:spPr>
         <p:txBody>
@@ -2321,7 +2327,7 @@
           <a:p>
             <a:pPr lvl="0"/>
             <a:r>
-              <a:rPr kumimoji="1" lang="ja-JP" altLang="en-US" smtClean="0"/>
+              <a:rPr kumimoji="1" lang="ja-JP" altLang="en-US"/>
               <a:t>マスター テキストの書式設定</a:t>
             </a:r>
           </a:p>
@@ -2339,8 +2345,8 @@
         </p:nvSpPr>
         <p:spPr>
           <a:xfrm>
-            <a:off x="4645025" y="2174875"/>
-            <a:ext cx="4041775" cy="3951288"/>
+            <a:off x="6193368" y="2174875"/>
+            <a:ext cx="5389033" cy="3951288"/>
           </a:xfrm>
         </p:spPr>
         <p:txBody>
@@ -2377,70 +2383,69 @@
           <a:p>
             <a:pPr lvl="0"/>
             <a:r>
-              <a:rPr kumimoji="1" lang="ja-JP" altLang="en-US" smtClean="0"/>
+              <a:rPr kumimoji="1" lang="ja-JP" altLang="en-US"/>
               <a:t>マスター テキストの書式設定</a:t>
             </a:r>
           </a:p>
           <a:p>
             <a:pPr lvl="1"/>
             <a:r>
-              <a:rPr kumimoji="1" lang="ja-JP" altLang="en-US" smtClean="0"/>
+              <a:rPr kumimoji="1" lang="ja-JP" altLang="en-US"/>
               <a:t>第 </a:t>
             </a:r>
             <a:r>
-              <a:rPr kumimoji="1" lang="en-US" altLang="ja-JP" smtClean="0"/>
+              <a:rPr kumimoji="1" lang="en-US" altLang="ja-JP"/>
               <a:t>2 </a:t>
             </a:r>
             <a:r>
-              <a:rPr kumimoji="1" lang="ja-JP" altLang="en-US" smtClean="0"/>
+              <a:rPr kumimoji="1" lang="ja-JP" altLang="en-US"/>
               <a:t>レベル</a:t>
             </a:r>
           </a:p>
           <a:p>
             <a:pPr lvl="2"/>
             <a:r>
-              <a:rPr kumimoji="1" lang="ja-JP" altLang="en-US" smtClean="0"/>
+              <a:rPr kumimoji="1" lang="ja-JP" altLang="en-US"/>
               <a:t>第 </a:t>
             </a:r>
             <a:r>
-              <a:rPr kumimoji="1" lang="en-US" altLang="ja-JP" smtClean="0"/>
+              <a:rPr kumimoji="1" lang="en-US" altLang="ja-JP"/>
               <a:t>3 </a:t>
             </a:r>
             <a:r>
-              <a:rPr kumimoji="1" lang="ja-JP" altLang="en-US" smtClean="0"/>
+              <a:rPr kumimoji="1" lang="ja-JP" altLang="en-US"/>
               <a:t>レベル</a:t>
             </a:r>
           </a:p>
           <a:p>
             <a:pPr lvl="3"/>
             <a:r>
-              <a:rPr kumimoji="1" lang="ja-JP" altLang="en-US" smtClean="0"/>
+              <a:rPr kumimoji="1" lang="ja-JP" altLang="en-US"/>
               <a:t>第 </a:t>
             </a:r>
             <a:r>
-              <a:rPr kumimoji="1" lang="en-US" altLang="ja-JP" smtClean="0"/>
+              <a:rPr kumimoji="1" lang="en-US" altLang="ja-JP"/>
               <a:t>4 </a:t>
             </a:r>
             <a:r>
-              <a:rPr kumimoji="1" lang="ja-JP" altLang="en-US" smtClean="0"/>
+              <a:rPr kumimoji="1" lang="ja-JP" altLang="en-US"/>
               <a:t>レベル</a:t>
             </a:r>
           </a:p>
           <a:p>
             <a:pPr lvl="4"/>
             <a:r>
-              <a:rPr kumimoji="1" lang="ja-JP" altLang="en-US" smtClean="0"/>
+              <a:rPr kumimoji="1" lang="ja-JP" altLang="en-US"/>
               <a:t>第 </a:t>
             </a:r>
             <a:r>
-              <a:rPr kumimoji="1" lang="en-US" altLang="ja-JP" smtClean="0"/>
+              <a:rPr kumimoji="1" lang="en-US" altLang="ja-JP"/>
               <a:t>5 </a:t>
             </a:r>
             <a:r>
-              <a:rPr kumimoji="1" lang="ja-JP" altLang="en-US" smtClean="0"/>
+              <a:rPr kumimoji="1" lang="ja-JP" altLang="en-US"/>
               <a:t>レベル</a:t>
             </a:r>
-            <a:endParaRPr kumimoji="1" lang="ja-JP" altLang="en-US"/>
           </a:p>
         </p:txBody>
       </p:sp>
@@ -2555,10 +2560,9 @@
           <a:lstStyle/>
           <a:p>
             <a:r>
-              <a:rPr kumimoji="1" lang="ja-JP" altLang="en-US" smtClean="0"/>
+              <a:rPr kumimoji="1" lang="ja-JP" altLang="en-US"/>
               <a:t>マスター タイトルの書式設定</a:t>
             </a:r>
-            <a:endParaRPr kumimoji="1" lang="ja-JP" altLang="en-US"/>
           </a:p>
         </p:txBody>
       </p:sp>
@@ -2764,8 +2768,8 @@
         </p:nvSpPr>
         <p:spPr>
           <a:xfrm>
-            <a:off x="457200" y="273050"/>
-            <a:ext cx="3008313" cy="1162050"/>
+            <a:off x="609601" y="273050"/>
+            <a:ext cx="4011084" cy="1162050"/>
           </a:xfrm>
         </p:spPr>
         <p:txBody>
@@ -2777,10 +2781,9 @@
           </a:lstStyle>
           <a:p>
             <a:r>
-              <a:rPr kumimoji="1" lang="ja-JP" altLang="en-US" smtClean="0"/>
+              <a:rPr kumimoji="1" lang="ja-JP" altLang="en-US"/>
               <a:t>マスター タイトルの書式設定</a:t>
             </a:r>
-            <a:endParaRPr kumimoji="1" lang="ja-JP" altLang="en-US"/>
           </a:p>
         </p:txBody>
       </p:sp>
@@ -2796,8 +2799,8 @@
         </p:nvSpPr>
         <p:spPr>
           <a:xfrm>
-            <a:off x="3575050" y="273050"/>
-            <a:ext cx="5111750" cy="5853113"/>
+            <a:off x="4766733" y="273051"/>
+            <a:ext cx="6815667" cy="5853113"/>
           </a:xfrm>
         </p:spPr>
         <p:txBody>
@@ -2834,70 +2837,69 @@
           <a:p>
             <a:pPr lvl="0"/>
             <a:r>
-              <a:rPr kumimoji="1" lang="ja-JP" altLang="en-US" smtClean="0"/>
+              <a:rPr kumimoji="1" lang="ja-JP" altLang="en-US"/>
               <a:t>マスター テキストの書式設定</a:t>
             </a:r>
           </a:p>
           <a:p>
             <a:pPr lvl="1"/>
             <a:r>
-              <a:rPr kumimoji="1" lang="ja-JP" altLang="en-US" smtClean="0"/>
+              <a:rPr kumimoji="1" lang="ja-JP" altLang="en-US"/>
               <a:t>第 </a:t>
             </a:r>
             <a:r>
-              <a:rPr kumimoji="1" lang="en-US" altLang="ja-JP" smtClean="0"/>
+              <a:rPr kumimoji="1" lang="en-US" altLang="ja-JP"/>
               <a:t>2 </a:t>
             </a:r>
             <a:r>
-              <a:rPr kumimoji="1" lang="ja-JP" altLang="en-US" smtClean="0"/>
+              <a:rPr kumimoji="1" lang="ja-JP" altLang="en-US"/>
               <a:t>レベル</a:t>
             </a:r>
           </a:p>
           <a:p>
             <a:pPr lvl="2"/>
             <a:r>
-              <a:rPr kumimoji="1" lang="ja-JP" altLang="en-US" smtClean="0"/>
+              <a:rPr kumimoji="1" lang="ja-JP" altLang="en-US"/>
               <a:t>第 </a:t>
             </a:r>
             <a:r>
-              <a:rPr kumimoji="1" lang="en-US" altLang="ja-JP" smtClean="0"/>
+              <a:rPr kumimoji="1" lang="en-US" altLang="ja-JP"/>
               <a:t>3 </a:t>
             </a:r>
             <a:r>
-              <a:rPr kumimoji="1" lang="ja-JP" altLang="en-US" smtClean="0"/>
+              <a:rPr kumimoji="1" lang="ja-JP" altLang="en-US"/>
               <a:t>レベル</a:t>
             </a:r>
           </a:p>
           <a:p>
             <a:pPr lvl="3"/>
             <a:r>
-              <a:rPr kumimoji="1" lang="ja-JP" altLang="en-US" smtClean="0"/>
+              <a:rPr kumimoji="1" lang="ja-JP" altLang="en-US"/>
               <a:t>第 </a:t>
             </a:r>
             <a:r>
-              <a:rPr kumimoji="1" lang="en-US" altLang="ja-JP" smtClean="0"/>
+              <a:rPr kumimoji="1" lang="en-US" altLang="ja-JP"/>
               <a:t>4 </a:t>
             </a:r>
             <a:r>
-              <a:rPr kumimoji="1" lang="ja-JP" altLang="en-US" smtClean="0"/>
+              <a:rPr kumimoji="1" lang="ja-JP" altLang="en-US"/>
               <a:t>レベル</a:t>
             </a:r>
           </a:p>
           <a:p>
             <a:pPr lvl="4"/>
             <a:r>
-              <a:rPr kumimoji="1" lang="ja-JP" altLang="en-US" smtClean="0"/>
+              <a:rPr kumimoji="1" lang="ja-JP" altLang="en-US"/>
               <a:t>第 </a:t>
             </a:r>
             <a:r>
-              <a:rPr kumimoji="1" lang="en-US" altLang="ja-JP" smtClean="0"/>
+              <a:rPr kumimoji="1" lang="en-US" altLang="ja-JP"/>
               <a:t>5 </a:t>
             </a:r>
             <a:r>
-              <a:rPr kumimoji="1" lang="ja-JP" altLang="en-US" smtClean="0"/>
+              <a:rPr kumimoji="1" lang="ja-JP" altLang="en-US"/>
               <a:t>レベル</a:t>
             </a:r>
-            <a:endParaRPr kumimoji="1" lang="ja-JP" altLang="en-US"/>
           </a:p>
         </p:txBody>
       </p:sp>
@@ -2913,8 +2915,8 @@
         </p:nvSpPr>
         <p:spPr>
           <a:xfrm>
-            <a:off x="457200" y="1435100"/>
-            <a:ext cx="3008313" cy="4691063"/>
+            <a:off x="609601" y="1435101"/>
+            <a:ext cx="4011084" cy="4691063"/>
           </a:xfrm>
         </p:spPr>
         <p:txBody>
@@ -2960,7 +2962,7 @@
           <a:p>
             <a:pPr lvl="0"/>
             <a:r>
-              <a:rPr kumimoji="1" lang="ja-JP" altLang="en-US" smtClean="0"/>
+              <a:rPr kumimoji="1" lang="ja-JP" altLang="en-US"/>
               <a:t>マスター テキストの書式設定</a:t>
             </a:r>
           </a:p>
@@ -3073,8 +3075,8 @@
         </p:nvSpPr>
         <p:spPr>
           <a:xfrm>
-            <a:off x="1792288" y="4800600"/>
-            <a:ext cx="5486400" cy="566738"/>
+            <a:off x="2389717" y="4800600"/>
+            <a:ext cx="7315200" cy="566738"/>
           </a:xfrm>
         </p:spPr>
         <p:txBody>
@@ -3086,10 +3088,9 @@
           </a:lstStyle>
           <a:p>
             <a:r>
-              <a:rPr kumimoji="1" lang="ja-JP" altLang="en-US" smtClean="0"/>
+              <a:rPr kumimoji="1" lang="ja-JP" altLang="en-US"/>
               <a:t>マスター タイトルの書式設定</a:t>
             </a:r>
-            <a:endParaRPr kumimoji="1" lang="ja-JP" altLang="en-US"/>
           </a:p>
         </p:txBody>
       </p:sp>
@@ -3105,8 +3106,8 @@
         </p:nvSpPr>
         <p:spPr>
           <a:xfrm>
-            <a:off x="1792288" y="612775"/>
-            <a:ext cx="5486400" cy="4114800"/>
+            <a:off x="2389717" y="612775"/>
+            <a:ext cx="7315200" cy="4114800"/>
           </a:xfrm>
         </p:spPr>
         <p:txBody>
@@ -3166,8 +3167,8 @@
         </p:nvSpPr>
         <p:spPr>
           <a:xfrm>
-            <a:off x="1792288" y="5367338"/>
-            <a:ext cx="5486400" cy="804862"/>
+            <a:off x="2389717" y="5367338"/>
+            <a:ext cx="7315200" cy="804862"/>
           </a:xfrm>
         </p:spPr>
         <p:txBody>
@@ -3213,7 +3214,7 @@
           <a:p>
             <a:pPr lvl="0"/>
             <a:r>
-              <a:rPr kumimoji="1" lang="ja-JP" altLang="en-US" smtClean="0"/>
+              <a:rPr kumimoji="1" lang="ja-JP" altLang="en-US"/>
               <a:t>マスター テキストの書式設定</a:t>
             </a:r>
           </a:p>
@@ -3339,8 +3340,8 @@
         </p:nvSpPr>
         <p:spPr>
           <a:xfrm>
-            <a:off x="457200" y="274638"/>
-            <a:ext cx="8229600" cy="1143000"/>
+            <a:off x="609600" y="274638"/>
+            <a:ext cx="10972800" cy="1143000"/>
           </a:xfrm>
           <a:prstGeom prst="rect">
             <a:avLst/>
@@ -3353,10 +3354,9 @@
           <a:lstStyle/>
           <a:p>
             <a:r>
-              <a:rPr kumimoji="1" lang="ja-JP" altLang="en-US" smtClean="0"/>
+              <a:rPr kumimoji="1" lang="ja-JP" altLang="en-US"/>
               <a:t>マスター タイトルの書式設定</a:t>
             </a:r>
-            <a:endParaRPr kumimoji="1" lang="ja-JP" altLang="en-US"/>
           </a:p>
         </p:txBody>
       </p:sp>
@@ -3372,8 +3372,8 @@
         </p:nvSpPr>
         <p:spPr>
           <a:xfrm>
-            <a:off x="457200" y="1600200"/>
-            <a:ext cx="8229600" cy="4525963"/>
+            <a:off x="609600" y="1600201"/>
+            <a:ext cx="10972800" cy="4525963"/>
           </a:xfrm>
           <a:prstGeom prst="rect">
             <a:avLst/>
@@ -3387,70 +3387,69 @@
           <a:p>
             <a:pPr lvl="0"/>
             <a:r>
-              <a:rPr kumimoji="1" lang="ja-JP" altLang="en-US" smtClean="0"/>
+              <a:rPr kumimoji="1" lang="ja-JP" altLang="en-US"/>
               <a:t>マスター テキストの書式設定</a:t>
             </a:r>
           </a:p>
           <a:p>
             <a:pPr lvl="1"/>
             <a:r>
-              <a:rPr kumimoji="1" lang="ja-JP" altLang="en-US" smtClean="0"/>
+              <a:rPr kumimoji="1" lang="ja-JP" altLang="en-US"/>
               <a:t>第 </a:t>
             </a:r>
             <a:r>
-              <a:rPr kumimoji="1" lang="en-US" altLang="ja-JP" smtClean="0"/>
+              <a:rPr kumimoji="1" lang="en-US" altLang="ja-JP"/>
               <a:t>2 </a:t>
             </a:r>
             <a:r>
-              <a:rPr kumimoji="1" lang="ja-JP" altLang="en-US" smtClean="0"/>
+              <a:rPr kumimoji="1" lang="ja-JP" altLang="en-US"/>
               <a:t>レベル</a:t>
             </a:r>
           </a:p>
           <a:p>
             <a:pPr lvl="2"/>
             <a:r>
-              <a:rPr kumimoji="1" lang="ja-JP" altLang="en-US" smtClean="0"/>
+              <a:rPr kumimoji="1" lang="ja-JP" altLang="en-US"/>
               <a:t>第 </a:t>
             </a:r>
             <a:r>
-              <a:rPr kumimoji="1" lang="en-US" altLang="ja-JP" smtClean="0"/>
+              <a:rPr kumimoji="1" lang="en-US" altLang="ja-JP"/>
               <a:t>3 </a:t>
             </a:r>
             <a:r>
-              <a:rPr kumimoji="1" lang="ja-JP" altLang="en-US" smtClean="0"/>
+              <a:rPr kumimoji="1" lang="ja-JP" altLang="en-US"/>
               <a:t>レベル</a:t>
             </a:r>
           </a:p>
           <a:p>
             <a:pPr lvl="3"/>
             <a:r>
-              <a:rPr kumimoji="1" lang="ja-JP" altLang="en-US" smtClean="0"/>
+              <a:rPr kumimoji="1" lang="ja-JP" altLang="en-US"/>
               <a:t>第 </a:t>
             </a:r>
             <a:r>
-              <a:rPr kumimoji="1" lang="en-US" altLang="ja-JP" smtClean="0"/>
+              <a:rPr kumimoji="1" lang="en-US" altLang="ja-JP"/>
               <a:t>4 </a:t>
             </a:r>
             <a:r>
-              <a:rPr kumimoji="1" lang="ja-JP" altLang="en-US" smtClean="0"/>
+              <a:rPr kumimoji="1" lang="ja-JP" altLang="en-US"/>
               <a:t>レベル</a:t>
             </a:r>
           </a:p>
           <a:p>
             <a:pPr lvl="4"/>
             <a:r>
-              <a:rPr kumimoji="1" lang="ja-JP" altLang="en-US" smtClean="0"/>
+              <a:rPr kumimoji="1" lang="ja-JP" altLang="en-US"/>
               <a:t>第 </a:t>
             </a:r>
             <a:r>
-              <a:rPr kumimoji="1" lang="en-US" altLang="ja-JP" smtClean="0"/>
+              <a:rPr kumimoji="1" lang="en-US" altLang="ja-JP"/>
               <a:t>5 </a:t>
             </a:r>
             <a:r>
-              <a:rPr kumimoji="1" lang="ja-JP" altLang="en-US" smtClean="0"/>
+              <a:rPr kumimoji="1" lang="ja-JP" altLang="en-US"/>
               <a:t>レベル</a:t>
             </a:r>
-            <a:endParaRPr kumimoji="1" lang="ja-JP" altLang="en-US"/>
           </a:p>
         </p:txBody>
       </p:sp>
@@ -3466,8 +3465,8 @@
         </p:nvSpPr>
         <p:spPr>
           <a:xfrm>
-            <a:off x="457200" y="6356350"/>
-            <a:ext cx="2133600" cy="365125"/>
+            <a:off x="609600" y="6356351"/>
+            <a:ext cx="2844800" cy="365125"/>
           </a:xfrm>
           <a:prstGeom prst="rect">
             <a:avLst/>
@@ -3507,8 +3506,8 @@
         </p:nvSpPr>
         <p:spPr>
           <a:xfrm>
-            <a:off x="3124200" y="6356350"/>
-            <a:ext cx="2895600" cy="365125"/>
+            <a:off x="4165600" y="6356351"/>
+            <a:ext cx="3860800" cy="365125"/>
           </a:xfrm>
           <a:prstGeom prst="rect">
             <a:avLst/>
@@ -3544,8 +3543,8 @@
         </p:nvSpPr>
         <p:spPr>
           <a:xfrm>
-            <a:off x="6553200" y="6356350"/>
-            <a:ext cx="2133600" cy="365125"/>
+            <a:off x="8737600" y="6356351"/>
+            <a:ext cx="2844800" cy="365125"/>
           </a:xfrm>
           <a:prstGeom prst="rect">
             <a:avLst/>
@@ -3888,7 +3887,7 @@
         </p:nvSpPr>
         <p:spPr>
           <a:xfrm>
-            <a:off x="638944" y="764704"/>
+            <a:off x="2162944" y="764704"/>
             <a:ext cx="7893496" cy="1872208"/>
           </a:xfrm>
         </p:spPr>
@@ -3899,7 +3898,7 @@
           <a:lstStyle/>
           <a:p>
             <a:r>
-              <a:rPr kumimoji="1" lang="ja-JP" altLang="en-US" sz="6000" dirty="0">
+              <a:rPr lang="ja-JP" altLang="en-US" sz="6000" dirty="0">
                 <a:solidFill>
                   <a:schemeClr val="bg1"/>
                 </a:solidFill>
@@ -3913,44 +3912,10 @@
                 <a:latin typeface="HGP教科書体" panose="02020600000000000000" pitchFamily="18" charset="-128"/>
                 <a:ea typeface="HGP教科書体" panose="02020600000000000000" pitchFamily="18" charset="-128"/>
               </a:rPr>
-              <a:t>販売在庫管理</a:t>
-            </a:r>
-            <a:r>
-              <a:rPr kumimoji="1" lang="ja-JP" altLang="en-US" sz="6000" dirty="0" smtClean="0">
-                <a:solidFill>
-                  <a:schemeClr val="bg1"/>
-                </a:solidFill>
-                <a:effectLst>
-                  <a:outerShdw blurRad="38100" dist="38100" dir="2700000" algn="tl">
-                    <a:srgbClr val="000000">
-                      <a:alpha val="43137"/>
-                    </a:srgbClr>
-                  </a:outerShdw>
-                </a:effectLst>
-                <a:latin typeface="HGP教科書体" panose="02020600000000000000" pitchFamily="18" charset="-128"/>
-                <a:ea typeface="HGP教科書体" panose="02020600000000000000" pitchFamily="18" charset="-128"/>
-              </a:rPr>
-              <a:t>システム</a:t>
-            </a:r>
-            <a:r>
-              <a:rPr kumimoji="1" lang="en-US" altLang="ja-JP" sz="6000" dirty="0" smtClean="0">
-                <a:solidFill>
-                  <a:schemeClr val="bg1"/>
-                </a:solidFill>
-                <a:effectLst>
-                  <a:outerShdw blurRad="38100" dist="38100" dir="2700000" algn="tl">
-                    <a:srgbClr val="000000">
-                      <a:alpha val="43137"/>
-                    </a:srgbClr>
-                  </a:outerShdw>
-                </a:effectLst>
-                <a:latin typeface="HGP教科書体" panose="02020600000000000000" pitchFamily="18" charset="-128"/>
-                <a:ea typeface="HGP教科書体" panose="02020600000000000000" pitchFamily="18" charset="-128"/>
-              </a:rPr>
-              <a:t/>
+              <a:t>販売在庫管理システム</a:t>
             </a:r>
             <a:br>
-              <a:rPr kumimoji="1" lang="en-US" altLang="ja-JP" sz="6000" dirty="0" smtClean="0">
+              <a:rPr lang="en-US" altLang="ja-JP" sz="6000" dirty="0">
                 <a:solidFill>
                   <a:schemeClr val="bg1"/>
                 </a:solidFill>
@@ -3982,20 +3947,6 @@
               </a:rPr>
               <a:t>最終発表</a:t>
             </a:r>
-            <a:endParaRPr kumimoji="1" lang="ja-JP" altLang="en-US" sz="6000" dirty="0">
-              <a:solidFill>
-                <a:schemeClr val="bg1"/>
-              </a:solidFill>
-              <a:effectLst>
-                <a:outerShdw blurRad="38100" dist="38100" dir="2700000" algn="tl">
-                  <a:srgbClr val="000000">
-                    <a:alpha val="43137"/>
-                  </a:srgbClr>
-                </a:outerShdw>
-              </a:effectLst>
-              <a:latin typeface="HGP教科書体" panose="02020600000000000000" pitchFamily="18" charset="-128"/>
-              <a:ea typeface="HGP教科書体" panose="02020600000000000000" pitchFamily="18" charset="-128"/>
-            </a:endParaRPr>
           </a:p>
         </p:txBody>
       </p:sp>
@@ -4011,7 +3962,7 @@
         </p:nvSpPr>
         <p:spPr>
           <a:xfrm>
-            <a:off x="5076056" y="5805264"/>
+            <a:off x="8040216" y="5781836"/>
             <a:ext cx="3632448" cy="622920"/>
           </a:xfrm>
         </p:spPr>
@@ -4022,7 +3973,7 @@
           <a:lstStyle/>
           <a:p>
             <a:r>
-              <a:rPr lang="ja-JP" altLang="en-US" sz="4000" dirty="0" smtClean="0">
+              <a:rPr lang="ja-JP" altLang="en-US" sz="4000" dirty="0">
                 <a:solidFill>
                   <a:schemeClr val="bg1"/>
                 </a:solidFill>
@@ -4030,22 +3981,14 @@
               <a:t>チーム名</a:t>
             </a:r>
             <a:r>
-              <a:rPr lang="en-US" altLang="ja-JP" sz="4000" dirty="0" smtClean="0">
+              <a:rPr lang="en-US" altLang="ja-JP" sz="4000" dirty="0">
                 <a:solidFill>
                   <a:schemeClr val="bg1"/>
                 </a:solidFill>
               </a:rPr>
-              <a:t>: </a:t>
-            </a:r>
-            <a:r>
-              <a:rPr kumimoji="1" lang="en-US" altLang="ja-JP" sz="4000" dirty="0" smtClean="0">
-                <a:solidFill>
-                  <a:schemeClr val="bg1"/>
-                </a:solidFill>
-              </a:rPr>
-              <a:t>KT-21</a:t>
-            </a:r>
-            <a:endParaRPr kumimoji="1" lang="ja-JP" altLang="en-US" sz="4000" dirty="0">
+              <a:t>: KT-21</a:t>
+            </a:r>
+            <a:endParaRPr lang="ja-JP" altLang="en-US" sz="4000" dirty="0">
               <a:solidFill>
                 <a:schemeClr val="bg1"/>
               </a:solidFill>
@@ -4063,13 +4006,6 @@
   <p:clrMapOvr>
     <a:masterClrMapping/>
   </p:clrMapOvr>
-  <p:timing>
-    <p:tnLst>
-      <p:par>
-        <p:cTn id="1" dur="indefinite" restart="never" nodeType="tmRoot"/>
-      </p:par>
-    </p:tnLst>
-  </p:timing>
 </p:sld>
 </file>
 
@@ -4102,7 +4038,7 @@
         </p:nvSpPr>
         <p:spPr>
           <a:xfrm>
-            <a:off x="1763688" y="476672"/>
+            <a:off x="3287688" y="0"/>
             <a:ext cx="5400599" cy="1080119"/>
           </a:xfrm>
         </p:spPr>
@@ -4128,7 +4064,7 @@
         </p:nvSpPr>
         <p:spPr>
           <a:xfrm>
-            <a:off x="251520" y="2276872"/>
+            <a:off x="1736888" y="1916832"/>
             <a:ext cx="8718223" cy="3539430"/>
           </a:xfrm>
           <a:prstGeom prst="rect">
@@ -4144,14 +4080,19 @@
           <a:p>
             <a:r>
               <a:rPr lang="ja-JP" altLang="ja-JP" sz="3200" b="1" dirty="0"/>
-              <a:t>現状、営業所ごとに在庫を管理しており、営業担当者が在庫状況に応じて事務担当に口頭で発注依頼をしている。そのため、発注ミスやリアルタイムに在庫を把握できないなどの課題を抱えている。</a:t>
+              <a:t>現状、営業所ごとに在庫を管理しており、営業担当者が在庫状況に応じて事務担当に口頭で発注依頼をしている。そのため、発注ミスやリアルタイムに在庫を把握できないなどの課題を抱えている</a:t>
             </a:r>
           </a:p>
           <a:p>
             <a:r>
               <a:rPr lang="ja-JP" altLang="ja-JP" sz="3200" b="1" dirty="0"/>
-              <a:t>新規システムを導入することによって、課題を解決しスムーズな業務運営ができるように要望している。</a:t>
-            </a:r>
+              <a:t>新規システムを導入することによって、課題を解決しスムーズな業務運営ができるように要望している</a:t>
+            </a:r>
+            <a:r>
+              <a:rPr lang="ja-JP" altLang="en-US" sz="3200" b="1" dirty="0"/>
+              <a:t>。</a:t>
+            </a:r>
+            <a:endParaRPr lang="ja-JP" altLang="ja-JP" sz="3200" b="1" dirty="0"/>
           </a:p>
         </p:txBody>
       </p:sp>
@@ -4165,13 +4106,6 @@
   <p:clrMapOvr>
     <a:masterClrMapping/>
   </p:clrMapOvr>
-  <p:timing>
-    <p:tnLst>
-      <p:par>
-        <p:cTn id="1" dur="indefinite" restart="never" nodeType="tmRoot"/>
-      </p:par>
-    </p:tnLst>
-  </p:timing>
 </p:sld>
 </file>
 
@@ -4204,8 +4138,8 @@
         </p:nvSpPr>
         <p:spPr>
           <a:xfrm>
-            <a:off x="1763688" y="476672"/>
-            <a:ext cx="5400599" cy="1080119"/>
+            <a:off x="2063552" y="0"/>
+            <a:ext cx="8064896" cy="1080119"/>
           </a:xfrm>
         </p:spPr>
         <p:txBody>
@@ -4215,85 +4149,9 @@
           <a:lstStyle/>
           <a:p>
             <a:r>
-              <a:rPr lang="ja-JP" altLang="en-US" dirty="0"/>
-              <a:t>システム</a:t>
-            </a:r>
-            <a:r>
-              <a:rPr lang="ja-JP" altLang="en-US" dirty="0" smtClean="0"/>
-              <a:t>の</a:t>
-            </a:r>
-            <a:r>
-              <a:rPr lang="ja-JP" altLang="en-US" dirty="0"/>
-              <a:t>概要</a:t>
-            </a:r>
-            <a:endParaRPr kumimoji="1" lang="ja-JP" altLang="en-US" dirty="0"/>
-          </a:p>
-        </p:txBody>
-      </p:sp>
-    </p:spTree>
-    <p:extLst>
-      <p:ext uri="{BB962C8B-B14F-4D97-AF65-F5344CB8AC3E}">
-        <p14:creationId xmlns:p14="http://schemas.microsoft.com/office/powerpoint/2010/main" val="2115255433"/>
-      </p:ext>
-    </p:extLst>
-  </p:cSld>
-  <p:clrMapOvr>
-    <a:masterClrMapping/>
-  </p:clrMapOvr>
-  <p:timing>
-    <p:tnLst>
-      <p:par>
-        <p:cTn id="1" dur="indefinite" restart="never" nodeType="tmRoot"/>
-      </p:par>
-    </p:tnLst>
-  </p:timing>
-</p:sld>
-</file>
-
-<file path=ppt/slides/slide4.xml><?xml version="1.0" encoding="utf-8"?>
-<p:sld xmlns:a="http://schemas.openxmlformats.org/drawingml/2006/main" xmlns:r="http://schemas.openxmlformats.org/officeDocument/2006/relationships" xmlns:p="http://schemas.openxmlformats.org/presentationml/2006/main">
-  <p:cSld>
-    <p:spTree>
-      <p:nvGrpSpPr>
-        <p:cNvPr id="1" name=""/>
-        <p:cNvGrpSpPr/>
-        <p:nvPr/>
-      </p:nvGrpSpPr>
-      <p:grpSpPr>
-        <a:xfrm>
-          <a:off x="0" y="0"/>
-          <a:ext cx="0" cy="0"/>
-          <a:chOff x="0" y="0"/>
-          <a:chExt cx="0" cy="0"/>
-        </a:xfrm>
-      </p:grpSpPr>
-      <p:sp>
-        <p:nvSpPr>
-          <p:cNvPr id="4" name="タイトル 1"/>
-          <p:cNvSpPr>
-            <a:spLocks noGrp="1"/>
-          </p:cNvSpPr>
-          <p:nvPr>
-            <p:ph type="title"/>
-          </p:nvPr>
-        </p:nvSpPr>
-        <p:spPr>
-          <a:xfrm>
-            <a:off x="539552" y="260648"/>
-            <a:ext cx="8064896" cy="1080119"/>
-          </a:xfrm>
-        </p:spPr>
-        <p:txBody>
-          <a:bodyPr>
-            <a:noAutofit/>
-          </a:bodyPr>
-          <a:lstStyle/>
-          <a:p>
-            <a:r>
-              <a:rPr kumimoji="1" lang="ja-JP" altLang="en-US" dirty="0" smtClean="0"/>
+              <a:rPr kumimoji="1" lang="ja-JP" altLang="en-US" dirty="0"/>
               <a:t>システムの変更点</a:t>
             </a:r>
-            <a:endParaRPr kumimoji="1" lang="ja-JP" altLang="en-US" dirty="0"/>
           </a:p>
         </p:txBody>
       </p:sp>
@@ -4307,7 +4165,7 @@
         </p:nvSpPr>
         <p:spPr>
           <a:xfrm>
-            <a:off x="15280" y="1628800"/>
+            <a:off x="1539280" y="1628801"/>
             <a:ext cx="2577836" cy="396043"/>
           </a:xfrm>
           <a:prstGeom prst="rect">
@@ -4336,10 +4194,9 @@
           </a:lstStyle>
           <a:p>
             <a:r>
-              <a:rPr lang="ja-JP" altLang="en-US" sz="2800" dirty="0" smtClean="0"/>
+              <a:rPr lang="ja-JP" altLang="en-US" sz="2800" dirty="0"/>
               <a:t>企画発表時</a:t>
             </a:r>
-            <a:endParaRPr lang="ja-JP" altLang="en-US" sz="2800" dirty="0"/>
           </a:p>
         </p:txBody>
       </p:sp>
@@ -4366,7 +4223,7 @@
         </p:blipFill>
         <p:spPr bwMode="auto">
           <a:xfrm>
-            <a:off x="544668" y="2715208"/>
+            <a:off x="2068668" y="2715208"/>
             <a:ext cx="2048448" cy="2048448"/>
           </a:xfrm>
           <a:prstGeom prst="rect">
@@ -4392,7 +4249,7 @@
         </p:nvSpPr>
         <p:spPr>
           <a:xfrm>
-            <a:off x="1144897" y="4782624"/>
+            <a:off x="2668898" y="4782624"/>
             <a:ext cx="902277" cy="369332"/>
           </a:xfrm>
           <a:prstGeom prst="rect">
@@ -4407,7 +4264,7 @@
           <a:lstStyle/>
           <a:p>
             <a:r>
-              <a:rPr kumimoji="1" lang="ja-JP" altLang="en-US" b="1" dirty="0"/>
+              <a:rPr lang="ja-JP" altLang="en-US" b="1" dirty="0"/>
               <a:t>営業所</a:t>
             </a:r>
           </a:p>
@@ -4436,7 +4293,7 @@
         </p:blipFill>
         <p:spPr bwMode="auto">
           <a:xfrm>
-            <a:off x="3560135" y="2715208"/>
+            <a:off x="5084135" y="2715208"/>
             <a:ext cx="2048448" cy="2048448"/>
           </a:xfrm>
           <a:prstGeom prst="rect">
@@ -4462,7 +4319,7 @@
         </p:nvSpPr>
         <p:spPr>
           <a:xfrm>
-            <a:off x="4160364" y="4782624"/>
+            <a:off x="5684365" y="4782624"/>
             <a:ext cx="902277" cy="369332"/>
           </a:xfrm>
           <a:prstGeom prst="rect">
@@ -4477,7 +4334,7 @@
           <a:lstStyle/>
           <a:p>
             <a:r>
-              <a:rPr kumimoji="1" lang="ja-JP" altLang="en-US" b="1" dirty="0"/>
+              <a:rPr lang="ja-JP" altLang="en-US" b="1" dirty="0"/>
               <a:t>営業所</a:t>
             </a:r>
           </a:p>
@@ -4506,7 +4363,7 @@
         </p:blipFill>
         <p:spPr bwMode="auto">
           <a:xfrm>
-            <a:off x="6516216" y="2715208"/>
+            <a:off x="8040216" y="2715208"/>
             <a:ext cx="2048448" cy="2048448"/>
           </a:xfrm>
           <a:prstGeom prst="rect">
@@ -4532,7 +4389,7 @@
         </p:nvSpPr>
         <p:spPr>
           <a:xfrm>
-            <a:off x="7116445" y="4782624"/>
+            <a:off x="8640446" y="4782624"/>
             <a:ext cx="902277" cy="369332"/>
           </a:xfrm>
           <a:prstGeom prst="rect">
@@ -4547,7 +4404,7 @@
           <a:lstStyle/>
           <a:p>
             <a:r>
-              <a:rPr kumimoji="1" lang="ja-JP" altLang="en-US" b="1" dirty="0"/>
+              <a:rPr lang="ja-JP" altLang="en-US" b="1" dirty="0"/>
               <a:t>営業所</a:t>
             </a:r>
           </a:p>
@@ -4575,7 +4432,7 @@
         </p:blipFill>
         <p:spPr>
           <a:xfrm>
-            <a:off x="1446506" y="3770977"/>
+            <a:off x="2970506" y="3770977"/>
             <a:ext cx="917866" cy="917866"/>
           </a:xfrm>
           <a:prstGeom prst="rect">
@@ -4605,7 +4462,7 @@
         </p:blipFill>
         <p:spPr>
           <a:xfrm>
-            <a:off x="4508598" y="3739432"/>
+            <a:off x="6032598" y="3739432"/>
             <a:ext cx="917866" cy="917866"/>
           </a:xfrm>
           <a:prstGeom prst="rect">
@@ -4635,7 +4492,7 @@
         </p:blipFill>
         <p:spPr>
           <a:xfrm>
-            <a:off x="7477967" y="3739432"/>
+            <a:off x="9001967" y="3739432"/>
             <a:ext cx="917866" cy="917866"/>
           </a:xfrm>
           <a:prstGeom prst="rect">
@@ -4665,9 +4522,6 @@
                     <p:cTn id="3" fill="hold">
                       <p:stCondLst>
                         <p:cond delay="indefinite"/>
-                        <p:cond evt="onBegin" delay="0">
-                          <p:tn val="2"/>
-                        </p:cond>
                       </p:stCondLst>
                       <p:childTnLst>
                         <p:par>
@@ -4677,7 +4531,7 @@
                             </p:stCondLst>
                             <p:childTnLst>
                               <p:par>
-                                <p:cTn id="5" presetID="10" presetClass="entr" presetSubtype="0" fill="hold" nodeType="withEffect">
+                                <p:cTn id="5" presetID="10" presetClass="entr" presetSubtype="0" fill="hold" nodeType="clickEffect">
                                   <p:stCondLst>
                                     <p:cond delay="0"/>
                                   </p:stCondLst>
@@ -5915,7 +5769,7 @@
 </p:sld>
 </file>
 
-<file path=ppt/slides/slide5.xml><?xml version="1.0" encoding="utf-8"?>
+<file path=ppt/slides/slide4.xml><?xml version="1.0" encoding="utf-8"?>
 <p:sld xmlns:a="http://schemas.openxmlformats.org/drawingml/2006/main" xmlns:r="http://schemas.openxmlformats.org/officeDocument/2006/relationships" xmlns:p="http://schemas.openxmlformats.org/presentationml/2006/main">
   <p:cSld>
     <p:spTree>
@@ -5955,7 +5809,7 @@
         </p:blipFill>
         <p:spPr bwMode="auto">
           <a:xfrm>
-            <a:off x="793643" y="1760226"/>
+            <a:off x="2317643" y="1760226"/>
             <a:ext cx="1478672" cy="1478672"/>
           </a:xfrm>
           <a:prstGeom prst="rect">
@@ -5981,7 +5835,7 @@
         </p:nvSpPr>
         <p:spPr>
           <a:xfrm>
-            <a:off x="1051678" y="3260471"/>
+            <a:off x="2575679" y="3260471"/>
             <a:ext cx="962601" cy="369332"/>
           </a:xfrm>
           <a:prstGeom prst="rect">
@@ -5996,7 +5850,7 @@
           <a:lstStyle/>
           <a:p>
             <a:r>
-              <a:rPr kumimoji="1" lang="ja-JP" altLang="en-US" b="1" dirty="0"/>
+              <a:rPr lang="ja-JP" altLang="en-US" b="1" dirty="0"/>
               <a:t>営業所</a:t>
             </a:r>
           </a:p>
@@ -6025,7 +5879,7 @@
         </p:blipFill>
         <p:spPr bwMode="auto">
           <a:xfrm>
-            <a:off x="3809110" y="1760226"/>
+            <a:off x="5333110" y="1760226"/>
             <a:ext cx="1478672" cy="1478672"/>
           </a:xfrm>
           <a:prstGeom prst="rect">
@@ -6051,7 +5905,7 @@
         </p:nvSpPr>
         <p:spPr>
           <a:xfrm>
-            <a:off x="4067145" y="3260471"/>
+            <a:off x="5591146" y="3260471"/>
             <a:ext cx="962601" cy="369332"/>
           </a:xfrm>
           <a:prstGeom prst="rect">
@@ -6066,7 +5920,7 @@
           <a:lstStyle/>
           <a:p>
             <a:r>
-              <a:rPr kumimoji="1" lang="ja-JP" altLang="en-US" b="1" dirty="0"/>
+              <a:rPr lang="ja-JP" altLang="en-US" b="1" dirty="0"/>
               <a:t>営業所</a:t>
             </a:r>
           </a:p>
@@ -6095,7 +5949,7 @@
         </p:blipFill>
         <p:spPr bwMode="auto">
           <a:xfrm>
-            <a:off x="6765191" y="1760226"/>
+            <a:off x="8289191" y="1760226"/>
             <a:ext cx="1478672" cy="1478672"/>
           </a:xfrm>
           <a:prstGeom prst="rect">
@@ -6121,7 +5975,7 @@
         </p:nvSpPr>
         <p:spPr>
           <a:xfrm>
-            <a:off x="7023226" y="3260471"/>
+            <a:off x="8547227" y="3260471"/>
             <a:ext cx="962601" cy="369332"/>
           </a:xfrm>
           <a:prstGeom prst="rect">
@@ -6136,7 +5990,7 @@
           <a:lstStyle/>
           <a:p>
             <a:r>
-              <a:rPr kumimoji="1" lang="ja-JP" altLang="en-US" b="1" dirty="0"/>
+              <a:rPr lang="ja-JP" altLang="en-US" b="1" dirty="0"/>
               <a:t>営業所</a:t>
             </a:r>
           </a:p>
@@ -6164,7 +6018,7 @@
         </p:blipFill>
         <p:spPr>
           <a:xfrm>
-            <a:off x="1381009" y="2501523"/>
+            <a:off x="2905009" y="2501523"/>
             <a:ext cx="662562" cy="662562"/>
           </a:xfrm>
           <a:prstGeom prst="rect">
@@ -6194,7 +6048,7 @@
         </p:blipFill>
         <p:spPr>
           <a:xfrm>
-            <a:off x="4443101" y="2469978"/>
+            <a:off x="5967101" y="2469978"/>
             <a:ext cx="662562" cy="662562"/>
           </a:xfrm>
           <a:prstGeom prst="rect">
@@ -6224,7 +6078,7 @@
         </p:blipFill>
         <p:spPr>
           <a:xfrm>
-            <a:off x="7412470" y="2469978"/>
+            <a:off x="8936470" y="2469978"/>
             <a:ext cx="662562" cy="662562"/>
           </a:xfrm>
           <a:prstGeom prst="rect">
@@ -6255,7 +6109,7 @@
         </p:blipFill>
         <p:spPr bwMode="auto">
           <a:xfrm>
-            <a:off x="3438454" y="3895111"/>
+            <a:off x="4962455" y="3895112"/>
             <a:ext cx="2219981" cy="2219981"/>
           </a:xfrm>
           <a:prstGeom prst="rect">
@@ -6281,7 +6135,7 @@
         </p:nvSpPr>
         <p:spPr>
           <a:xfrm>
-            <a:off x="3938126" y="6108505"/>
+            <a:off x="5462126" y="6108505"/>
             <a:ext cx="1220636" cy="369332"/>
           </a:xfrm>
           <a:prstGeom prst="rect">
@@ -6299,7 +6153,6 @@
               <a:rPr lang="ja-JP" altLang="en-US" b="1" dirty="0"/>
               <a:t>物流倉庫</a:t>
             </a:r>
-            <a:endParaRPr kumimoji="1" lang="ja-JP" altLang="en-US" b="1" dirty="0"/>
           </a:p>
         </p:txBody>
       </p:sp>
@@ -6315,7 +6168,7 @@
         </p:nvSpPr>
         <p:spPr>
           <a:xfrm>
-            <a:off x="539552" y="260648"/>
+            <a:off x="2063552" y="-9590"/>
             <a:ext cx="8064896" cy="1080119"/>
           </a:xfrm>
         </p:spPr>
@@ -6326,10 +6179,9 @@
           <a:lstStyle/>
           <a:p>
             <a:r>
-              <a:rPr kumimoji="1" lang="ja-JP" altLang="en-US" dirty="0" smtClean="0"/>
+              <a:rPr kumimoji="1" lang="ja-JP" altLang="en-US" dirty="0"/>
               <a:t>システムの変更点</a:t>
             </a:r>
-            <a:endParaRPr kumimoji="1" lang="ja-JP" altLang="en-US" dirty="0"/>
           </a:p>
         </p:txBody>
       </p:sp>
@@ -6343,7 +6195,7 @@
         </p:nvSpPr>
         <p:spPr>
           <a:xfrm>
-            <a:off x="15280" y="1212866"/>
+            <a:off x="1539280" y="1212867"/>
             <a:ext cx="1697010" cy="396043"/>
           </a:xfrm>
           <a:prstGeom prst="rect">
@@ -6635,7 +6487,7 @@
                                           </p:stCondLst>
                                         </p:cTn>
                                         <p:tgtEl>
-                                          <p:spTgt spid="16"/>
+                                          <p:spTgt spid="13"/>
                                         </p:tgtEl>
                                         <p:attrNameLst>
                                           <p:attrName>style.visibility</p:attrName>
@@ -6649,7 +6501,7 @@
                                       <p:cBhvr>
                                         <p:cTn id="25" dur="500"/>
                                         <p:tgtEl>
-                                          <p:spTgt spid="16"/>
+                                          <p:spTgt spid="13"/>
                                         </p:tgtEl>
                                       </p:cBhvr>
                                     </p:animEffect>
@@ -6657,7 +6509,7 @@
                                 </p:cTn>
                               </p:par>
                               <p:par>
-                                <p:cTn id="26" presetID="10" presetClass="entr" presetSubtype="0" fill="hold" grpId="0" nodeType="withEffect">
+                                <p:cTn id="26" presetID="10" presetClass="entr" presetSubtype="0" fill="hold" nodeType="withEffect">
                                   <p:stCondLst>
                                     <p:cond delay="0"/>
                                   </p:stCondLst>
@@ -6670,7 +6522,7 @@
                                           </p:stCondLst>
                                         </p:cTn>
                                         <p:tgtEl>
-                                          <p:spTgt spid="17"/>
+                                          <p:spTgt spid="14"/>
                                         </p:tgtEl>
                                         <p:attrNameLst>
                                           <p:attrName>style.visibility</p:attrName>
@@ -6684,7 +6536,7 @@
                                       <p:cBhvr>
                                         <p:cTn id="28" dur="500"/>
                                         <p:tgtEl>
-                                          <p:spTgt spid="17"/>
+                                          <p:spTgt spid="14"/>
                                         </p:tgtEl>
                                       </p:cBhvr>
                                     </p:animEffect>
@@ -6705,7 +6557,7 @@
                                           </p:stCondLst>
                                         </p:cTn>
                                         <p:tgtEl>
-                                          <p:spTgt spid="13"/>
+                                          <p:spTgt spid="15"/>
                                         </p:tgtEl>
                                         <p:attrNameLst>
                                           <p:attrName>style.visibility</p:attrName>
@@ -6719,7 +6571,7 @@
                                       <p:cBhvr>
                                         <p:cTn id="31" dur="500"/>
                                         <p:tgtEl>
-                                          <p:spTgt spid="13"/>
+                                          <p:spTgt spid="15"/>
                                         </p:tgtEl>
                                       </p:cBhvr>
                                     </p:animEffect>
@@ -6740,7 +6592,7 @@
                                           </p:stCondLst>
                                         </p:cTn>
                                         <p:tgtEl>
-                                          <p:spTgt spid="14"/>
+                                          <p:spTgt spid="16"/>
                                         </p:tgtEl>
                                         <p:attrNameLst>
                                           <p:attrName>style.visibility</p:attrName>
@@ -6754,7 +6606,7 @@
                                       <p:cBhvr>
                                         <p:cTn id="34" dur="500"/>
                                         <p:tgtEl>
-                                          <p:spTgt spid="14"/>
+                                          <p:spTgt spid="16"/>
                                         </p:tgtEl>
                                       </p:cBhvr>
                                     </p:animEffect>
@@ -6762,7 +6614,7 @@
                                 </p:cTn>
                               </p:par>
                               <p:par>
-                                <p:cTn id="35" presetID="10" presetClass="entr" presetSubtype="0" fill="hold" nodeType="withEffect">
+                                <p:cTn id="35" presetID="10" presetClass="entr" presetSubtype="0" fill="hold" grpId="0" nodeType="withEffect">
                                   <p:stCondLst>
                                     <p:cond delay="0"/>
                                   </p:stCondLst>
@@ -6775,7 +6627,7 @@
                                           </p:stCondLst>
                                         </p:cTn>
                                         <p:tgtEl>
-                                          <p:spTgt spid="15"/>
+                                          <p:spTgt spid="17"/>
                                         </p:tgtEl>
                                         <p:attrNameLst>
                                           <p:attrName>style.visibility</p:attrName>
@@ -6789,7 +6641,7 @@
                                       <p:cBhvr>
                                         <p:cTn id="37" dur="500"/>
                                         <p:tgtEl>
-                                          <p:spTgt spid="15"/>
+                                          <p:spTgt spid="17"/>
                                         </p:tgtEl>
                                       </p:cBhvr>
                                     </p:animEffect>
@@ -6815,14 +6667,36 @@
                             </p:stCondLst>
                             <p:childTnLst>
                               <p:par>
-                                <p:cTn id="40" presetID="50" presetClass="path" presetSubtype="0" accel="50000" decel="50000" fill="hold" nodeType="clickEffect">
+                                <p:cTn id="40" presetID="42" presetClass="path" presetSubtype="0" accel="50000" decel="50000" fill="hold" nodeType="clickEffect">
                                   <p:stCondLst>
                                     <p:cond delay="0"/>
                                   </p:stCondLst>
                                   <p:childTnLst>
-                                    <p:animMotion origin="layout" path="M -2.77778E-6 -2.96296E-6 L 0.16823 -2.96296E-6 C 0.24358 -2.96296E-6 0.33646 0.08773 0.33646 0.15903 L 0.33646 0.31806 " pathEditMode="relative" rAng="0" ptsTypes="FfFF">
+                                    <p:animMotion origin="layout" path="M 1.38889E-6 -3.33333E-6 L 0.00156 0.32269 " pathEditMode="relative" rAng="0" ptsTypes="AA">
                                       <p:cBhvr>
-                                        <p:cTn id="41" dur="1500" fill="hold"/>
+                                        <p:cTn id="41" dur="2000" fill="hold"/>
+                                        <p:tgtEl>
+                                          <p:spTgt spid="14"/>
+                                        </p:tgtEl>
+                                        <p:attrNameLst>
+                                          <p:attrName>ppt_x</p:attrName>
+                                          <p:attrName>ppt_y</p:attrName>
+                                        </p:attrNameLst>
+                                      </p:cBhvr>
+                                      <p:rCtr x="69" y="16134"/>
+                                    </p:animMotion>
+                                  </p:childTnLst>
+                                </p:cTn>
+                              </p:par>
+                              <p:par>
+                                <p:cTn id="42" presetID="42" presetClass="path" presetSubtype="0" accel="50000" decel="50000" fill="hold" nodeType="withEffect">
+                                  <p:stCondLst>
+                                    <p:cond delay="0"/>
+                                  </p:stCondLst>
+                                  <p:childTnLst>
+                                    <p:animMotion origin="layout" path="M -4.58333E-6 -2.96296E-6 L 0.25235 0.32361 " pathEditMode="relative" rAng="0" ptsTypes="AA">
+                                      <p:cBhvr>
+                                        <p:cTn id="43" dur="2000" fill="hold"/>
                                         <p:tgtEl>
                                           <p:spTgt spid="13"/>
                                         </p:tgtEl>
@@ -6831,29 +6705,7 @@
                                           <p:attrName>ppt_y</p:attrName>
                                         </p:attrNameLst>
                                       </p:cBhvr>
-                                      <p:rCtr x="16823" y="15903"/>
-                                    </p:animMotion>
-                                  </p:childTnLst>
-                                </p:cTn>
-                              </p:par>
-                              <p:par>
-                                <p:cTn id="42" presetID="50" presetClass="path" presetSubtype="0" accel="50000" decel="50000" fill="hold" nodeType="withEffect">
-                                  <p:stCondLst>
-                                    <p:cond delay="0"/>
-                                  </p:stCondLst>
-                                  <p:childTnLst>
-                                    <p:animMotion origin="layout" path="M 5E-6 -3.33333E-6 L -0.16164 -3.33333E-6 C -0.23438 -3.33333E-6 -0.32327 0.08889 -0.32327 0.16135 L -0.32327 0.32269 " pathEditMode="relative" rAng="0" ptsTypes="FfFF">
-                                      <p:cBhvr>
-                                        <p:cTn id="43" dur="1500" fill="hold"/>
-                                        <p:tgtEl>
-                                          <p:spTgt spid="15"/>
-                                        </p:tgtEl>
-                                        <p:attrNameLst>
-                                          <p:attrName>ppt_x</p:attrName>
-                                          <p:attrName>ppt_y</p:attrName>
-                                        </p:attrNameLst>
-                                      </p:cBhvr>
-                                      <p:rCtr x="-16163" y="16134"/>
+                                      <p:rCtr x="12617" y="16181"/>
                                     </p:animMotion>
                                   </p:childTnLst>
                                 </p:cTn>
@@ -6864,18 +6716,18 @@
                                     <p:cond delay="0"/>
                                   </p:stCondLst>
                                   <p:childTnLst>
-                                    <p:animMotion origin="layout" path="M 1.38889E-6 -3.33333E-6 L 0.00156 0.32269 " pathEditMode="relative" rAng="0" ptsTypes="AA">
+                                    <p:animMotion origin="layout" path="M 3.75E-6 -3.33333E-6 L -0.24245 0.32361 " pathEditMode="relative" rAng="0" ptsTypes="AA">
                                       <p:cBhvr>
-                                        <p:cTn id="45" dur="1500" fill="hold"/>
+                                        <p:cTn id="45" dur="2000" fill="hold"/>
                                         <p:tgtEl>
-                                          <p:spTgt spid="14"/>
+                                          <p:spTgt spid="15"/>
                                         </p:tgtEl>
                                         <p:attrNameLst>
                                           <p:attrName>ppt_x</p:attrName>
                                           <p:attrName>ppt_y</p:attrName>
                                         </p:attrNameLst>
                                       </p:cBhvr>
-                                      <p:rCtr x="69" y="16134"/>
+                                      <p:rCtr x="-12122" y="16181"/>
                                     </p:animMotion>
                                   </p:childTnLst>
                                 </p:cTn>
@@ -6912,6 +6764,1604 @@
       <p:bldP spid="10" grpId="0"/>
       <p:bldP spid="12" grpId="0"/>
       <p:bldP spid="17" grpId="0"/>
+    </p:bldLst>
+  </p:timing>
+</p:sld>
+</file>
+
+<file path=ppt/slides/slide5.xml><?xml version="1.0" encoding="utf-8"?>
+<p:sld xmlns:a="http://schemas.openxmlformats.org/drawingml/2006/main" xmlns:r="http://schemas.openxmlformats.org/officeDocument/2006/relationships" xmlns:p="http://schemas.openxmlformats.org/presentationml/2006/main">
+  <p:cSld>
+    <p:spTree>
+      <p:nvGrpSpPr>
+        <p:cNvPr id="1" name=""/>
+        <p:cNvGrpSpPr/>
+        <p:nvPr/>
+      </p:nvGrpSpPr>
+      <p:grpSpPr>
+        <a:xfrm>
+          <a:off x="0" y="0"/>
+          <a:ext cx="0" cy="0"/>
+          <a:chOff x="0" y="0"/>
+          <a:chExt cx="0" cy="0"/>
+        </a:xfrm>
+      </p:grpSpPr>
+      <p:sp>
+        <p:nvSpPr>
+          <p:cNvPr id="4" name="タイトル 1"/>
+          <p:cNvSpPr>
+            <a:spLocks noGrp="1"/>
+          </p:cNvSpPr>
+          <p:nvPr>
+            <p:ph type="title"/>
+          </p:nvPr>
+        </p:nvSpPr>
+        <p:spPr>
+          <a:xfrm>
+            <a:off x="3391543" y="24693"/>
+            <a:ext cx="5400599" cy="1080119"/>
+          </a:xfrm>
+        </p:spPr>
+        <p:txBody>
+          <a:bodyPr>
+            <a:noAutofit/>
+          </a:bodyPr>
+          <a:lstStyle/>
+          <a:p>
+            <a:r>
+              <a:rPr lang="ja-JP" altLang="en-US" dirty="0"/>
+              <a:t>システムの概要</a:t>
+            </a:r>
+            <a:endParaRPr kumimoji="1" lang="ja-JP" altLang="en-US" dirty="0"/>
+          </a:p>
+        </p:txBody>
+      </p:sp>
+      <p:pic>
+        <p:nvPicPr>
+          <p:cNvPr id="27" name="Picture 2" descr="C:\Users\yamanin3\Desktop\images\agura_kutsurogu2_man.png">
+            <a:extLst>
+              <a:ext uri="{FF2B5EF4-FFF2-40B4-BE49-F238E27FC236}">
+                <a16:creationId xmlns:a16="http://schemas.microsoft.com/office/drawing/2014/main" id="{23D0F9C2-87EE-43E1-9720-1F18FD31FA00}"/>
+              </a:ext>
+            </a:extLst>
+          </p:cNvPr>
+          <p:cNvPicPr>
+            <a:picLocks noChangeAspect="1" noChangeArrowheads="1"/>
+          </p:cNvPicPr>
+          <p:nvPr/>
+        </p:nvPicPr>
+        <p:blipFill>
+          <a:blip r:embed="rId2">
+            <a:extLst>
+              <a:ext uri="{28A0092B-C50C-407E-A947-70E740481C1C}">
+                <a14:useLocalDpi xmlns:a14="http://schemas.microsoft.com/office/drawing/2010/main" val="0"/>
+              </a:ext>
+            </a:extLst>
+          </a:blip>
+          <a:srcRect/>
+          <a:stretch>
+            <a:fillRect/>
+          </a:stretch>
+        </p:blipFill>
+        <p:spPr bwMode="auto">
+          <a:xfrm>
+            <a:off x="389258" y="394025"/>
+            <a:ext cx="1071476" cy="1071476"/>
+          </a:xfrm>
+          <a:prstGeom prst="rect">
+            <a:avLst/>
+          </a:prstGeom>
+          <a:noFill/>
+          <a:extLst>
+            <a:ext uri="{909E8E84-426E-40DD-AFC4-6F175D3DCCD1}">
+              <a14:hiddenFill xmlns:a14="http://schemas.microsoft.com/office/drawing/2010/main">
+                <a:solidFill>
+                  <a:srgbClr val="FFFFFF"/>
+                </a:solidFill>
+              </a14:hiddenFill>
+            </a:ext>
+          </a:extLst>
+        </p:spPr>
+      </p:pic>
+      <p:pic>
+        <p:nvPicPr>
+          <p:cNvPr id="28" name="Picture 4" descr="C:\Users\yamanin3\Desktop\images\building_company_eigyousyo.png">
+            <a:extLst>
+              <a:ext uri="{FF2B5EF4-FFF2-40B4-BE49-F238E27FC236}">
+                <a16:creationId xmlns:a16="http://schemas.microsoft.com/office/drawing/2014/main" id="{B01F2B54-3699-435C-A24D-20450351CD85}"/>
+              </a:ext>
+            </a:extLst>
+          </p:cNvPr>
+          <p:cNvPicPr>
+            <a:picLocks noChangeAspect="1" noChangeArrowheads="1"/>
+          </p:cNvPicPr>
+          <p:nvPr/>
+        </p:nvPicPr>
+        <p:blipFill>
+          <a:blip r:embed="rId3">
+            <a:extLst>
+              <a:ext uri="{28A0092B-C50C-407E-A947-70E740481C1C}">
+                <a14:useLocalDpi xmlns:a14="http://schemas.microsoft.com/office/drawing/2010/main" val="0"/>
+              </a:ext>
+            </a:extLst>
+          </a:blip>
+          <a:srcRect/>
+          <a:stretch>
+            <a:fillRect/>
+          </a:stretch>
+        </p:blipFill>
+        <p:spPr bwMode="auto">
+          <a:xfrm>
+            <a:off x="148967" y="5197583"/>
+            <a:ext cx="1549700" cy="1549700"/>
+          </a:xfrm>
+          <a:prstGeom prst="rect">
+            <a:avLst/>
+          </a:prstGeom>
+          <a:noFill/>
+          <a:extLst>
+            <a:ext uri="{909E8E84-426E-40DD-AFC4-6F175D3DCCD1}">
+              <a14:hiddenFill xmlns:a14="http://schemas.microsoft.com/office/drawing/2010/main">
+                <a:solidFill>
+                  <a:srgbClr val="FFFFFF"/>
+                </a:solidFill>
+              </a14:hiddenFill>
+            </a:ext>
+          </a:extLst>
+        </p:spPr>
+      </p:pic>
+      <p:pic>
+        <p:nvPicPr>
+          <p:cNvPr id="29" name="Picture 3" descr="C:\Users\yamanin3\Desktop\images\sales_eigyou_man.png">
+            <a:extLst>
+              <a:ext uri="{FF2B5EF4-FFF2-40B4-BE49-F238E27FC236}">
+                <a16:creationId xmlns:a16="http://schemas.microsoft.com/office/drawing/2014/main" id="{FBC1D75D-EBBD-453E-BBFB-E541F8562D9D}"/>
+              </a:ext>
+            </a:extLst>
+          </p:cNvPr>
+          <p:cNvPicPr>
+            <a:picLocks noChangeAspect="1" noChangeArrowheads="1"/>
+          </p:cNvPicPr>
+          <p:nvPr/>
+        </p:nvPicPr>
+        <p:blipFill>
+          <a:blip r:embed="rId4" cstate="print">
+            <a:extLst>
+              <a:ext uri="{28A0092B-C50C-407E-A947-70E740481C1C}">
+                <a14:useLocalDpi xmlns:a14="http://schemas.microsoft.com/office/drawing/2010/main" val="0"/>
+              </a:ext>
+            </a:extLst>
+          </a:blip>
+          <a:srcRect/>
+          <a:stretch>
+            <a:fillRect/>
+          </a:stretch>
+        </p:blipFill>
+        <p:spPr bwMode="auto">
+          <a:xfrm>
+            <a:off x="563164" y="5972433"/>
+            <a:ext cx="723664" cy="723664"/>
+          </a:xfrm>
+          <a:prstGeom prst="rect">
+            <a:avLst/>
+          </a:prstGeom>
+          <a:noFill/>
+          <a:extLst>
+            <a:ext uri="{909E8E84-426E-40DD-AFC4-6F175D3DCCD1}">
+              <a14:hiddenFill xmlns:a14="http://schemas.microsoft.com/office/drawing/2010/main">
+                <a:solidFill>
+                  <a:srgbClr val="FFFFFF"/>
+                </a:solidFill>
+              </a14:hiddenFill>
+            </a:ext>
+          </a:extLst>
+        </p:spPr>
+      </p:pic>
+      <p:pic>
+        <p:nvPicPr>
+          <p:cNvPr id="30" name="Picture 5" descr="C:\Users\yamanin3\Desktop\images\souko_building.png">
+            <a:extLst>
+              <a:ext uri="{FF2B5EF4-FFF2-40B4-BE49-F238E27FC236}">
+                <a16:creationId xmlns:a16="http://schemas.microsoft.com/office/drawing/2014/main" id="{87C1D499-2BC7-400C-B964-0C9999EE51B2}"/>
+              </a:ext>
+            </a:extLst>
+          </p:cNvPr>
+          <p:cNvPicPr>
+            <a:picLocks noChangeAspect="1" noChangeArrowheads="1"/>
+          </p:cNvPicPr>
+          <p:nvPr/>
+        </p:nvPicPr>
+        <p:blipFill>
+          <a:blip r:embed="rId5">
+            <a:extLst>
+              <a:ext uri="{28A0092B-C50C-407E-A947-70E740481C1C}">
+                <a14:useLocalDpi xmlns:a14="http://schemas.microsoft.com/office/drawing/2010/main" val="0"/>
+              </a:ext>
+            </a:extLst>
+          </a:blip>
+          <a:srcRect/>
+          <a:stretch>
+            <a:fillRect/>
+          </a:stretch>
+        </p:blipFill>
+        <p:spPr bwMode="auto">
+          <a:xfrm>
+            <a:off x="9982769" y="191803"/>
+            <a:ext cx="1475921" cy="1475921"/>
+          </a:xfrm>
+          <a:prstGeom prst="rect">
+            <a:avLst/>
+          </a:prstGeom>
+          <a:noFill/>
+          <a:extLst>
+            <a:ext uri="{909E8E84-426E-40DD-AFC4-6F175D3DCCD1}">
+              <a14:hiddenFill xmlns:a14="http://schemas.microsoft.com/office/drawing/2010/main">
+                <a:solidFill>
+                  <a:srgbClr val="FFFFFF"/>
+                </a:solidFill>
+              </a14:hiddenFill>
+            </a:ext>
+          </a:extLst>
+        </p:spPr>
+      </p:pic>
+      <p:sp>
+        <p:nvSpPr>
+          <p:cNvPr id="31" name="テキスト ボックス 30">
+            <a:extLst>
+              <a:ext uri="{FF2B5EF4-FFF2-40B4-BE49-F238E27FC236}">
+                <a16:creationId xmlns:a16="http://schemas.microsoft.com/office/drawing/2014/main" id="{96F7DF93-B743-4B8E-A032-1E83FBBEFD28}"/>
+              </a:ext>
+            </a:extLst>
+          </p:cNvPr>
+          <p:cNvSpPr txBox="1"/>
+          <p:nvPr/>
+        </p:nvSpPr>
+        <p:spPr>
+          <a:xfrm>
+            <a:off x="10208045" y="24693"/>
+            <a:ext cx="1107996" cy="369332"/>
+          </a:xfrm>
+          <a:prstGeom prst="rect">
+            <a:avLst/>
+          </a:prstGeom>
+          <a:noFill/>
+        </p:spPr>
+        <p:txBody>
+          <a:bodyPr wrap="none" rtlCol="0">
+            <a:spAutoFit/>
+          </a:bodyPr>
+          <a:lstStyle/>
+          <a:p>
+            <a:r>
+              <a:rPr kumimoji="1" lang="ja-JP" altLang="en-US" dirty="0"/>
+              <a:t>物流倉庫</a:t>
+            </a:r>
+          </a:p>
+        </p:txBody>
+      </p:sp>
+      <p:sp>
+        <p:nvSpPr>
+          <p:cNvPr id="32" name="テキスト ボックス 31">
+            <a:extLst>
+              <a:ext uri="{FF2B5EF4-FFF2-40B4-BE49-F238E27FC236}">
+                <a16:creationId xmlns:a16="http://schemas.microsoft.com/office/drawing/2014/main" id="{020F3C18-10E9-40F2-B060-FB89FCD588BE}"/>
+              </a:ext>
+            </a:extLst>
+          </p:cNvPr>
+          <p:cNvSpPr txBox="1"/>
+          <p:nvPr/>
+        </p:nvSpPr>
+        <p:spPr>
+          <a:xfrm>
+            <a:off x="600651" y="-5905"/>
+            <a:ext cx="646331" cy="369332"/>
+          </a:xfrm>
+          <a:prstGeom prst="rect">
+            <a:avLst/>
+          </a:prstGeom>
+          <a:noFill/>
+        </p:spPr>
+        <p:txBody>
+          <a:bodyPr wrap="none" rtlCol="0">
+            <a:spAutoFit/>
+          </a:bodyPr>
+          <a:lstStyle/>
+          <a:p>
+            <a:r>
+              <a:rPr kumimoji="1" lang="ja-JP" altLang="en-US" dirty="0"/>
+              <a:t>顧客</a:t>
+            </a:r>
+          </a:p>
+        </p:txBody>
+      </p:sp>
+      <p:sp>
+        <p:nvSpPr>
+          <p:cNvPr id="33" name="テキスト ボックス 32">
+            <a:extLst>
+              <a:ext uri="{FF2B5EF4-FFF2-40B4-BE49-F238E27FC236}">
+                <a16:creationId xmlns:a16="http://schemas.microsoft.com/office/drawing/2014/main" id="{9FF767DA-333D-45BE-8714-FD2ECE9B1504}"/>
+              </a:ext>
+            </a:extLst>
+          </p:cNvPr>
+          <p:cNvSpPr txBox="1"/>
+          <p:nvPr/>
+        </p:nvSpPr>
+        <p:spPr>
+          <a:xfrm>
+            <a:off x="10208045" y="6511431"/>
+            <a:ext cx="984565" cy="369332"/>
+          </a:xfrm>
+          <a:prstGeom prst="rect">
+            <a:avLst/>
+          </a:prstGeom>
+          <a:noFill/>
+        </p:spPr>
+        <p:txBody>
+          <a:bodyPr wrap="none" rtlCol="0">
+            <a:spAutoFit/>
+          </a:bodyPr>
+          <a:lstStyle/>
+          <a:p>
+            <a:r>
+              <a:rPr kumimoji="1" lang="ja-JP" altLang="en-US" dirty="0"/>
+              <a:t>メーカー</a:t>
+            </a:r>
+          </a:p>
+        </p:txBody>
+      </p:sp>
+      <p:sp>
+        <p:nvSpPr>
+          <p:cNvPr id="34" name="テキスト ボックス 33">
+            <a:extLst>
+              <a:ext uri="{FF2B5EF4-FFF2-40B4-BE49-F238E27FC236}">
+                <a16:creationId xmlns:a16="http://schemas.microsoft.com/office/drawing/2014/main" id="{81CE3E13-C3F7-40D2-9C4B-A6951F18358D}"/>
+              </a:ext>
+            </a:extLst>
+          </p:cNvPr>
+          <p:cNvSpPr txBox="1"/>
+          <p:nvPr/>
+        </p:nvSpPr>
+        <p:spPr>
+          <a:xfrm>
+            <a:off x="1570672" y="6488668"/>
+            <a:ext cx="877163" cy="369332"/>
+          </a:xfrm>
+          <a:prstGeom prst="rect">
+            <a:avLst/>
+          </a:prstGeom>
+          <a:noFill/>
+        </p:spPr>
+        <p:txBody>
+          <a:bodyPr wrap="none" rtlCol="0">
+            <a:spAutoFit/>
+          </a:bodyPr>
+          <a:lstStyle/>
+          <a:p>
+            <a:r>
+              <a:rPr kumimoji="1" lang="ja-JP" altLang="en-US" dirty="0"/>
+              <a:t>営業所</a:t>
+            </a:r>
+          </a:p>
+        </p:txBody>
+      </p:sp>
+      <p:sp>
+        <p:nvSpPr>
+          <p:cNvPr id="35" name="右矢印 26">
+            <a:extLst>
+              <a:ext uri="{FF2B5EF4-FFF2-40B4-BE49-F238E27FC236}">
+                <a16:creationId xmlns:a16="http://schemas.microsoft.com/office/drawing/2014/main" id="{9B1CBB94-0E50-4527-8CEE-50BA56A73938}"/>
+              </a:ext>
+            </a:extLst>
+          </p:cNvPr>
+          <p:cNvSpPr/>
+          <p:nvPr/>
+        </p:nvSpPr>
+        <p:spPr>
+          <a:xfrm rot="5400000">
+            <a:off x="-1005832" y="3246526"/>
+            <a:ext cx="3558744" cy="196073"/>
+          </a:xfrm>
+          <a:prstGeom prst="rightArrow">
+            <a:avLst/>
+          </a:prstGeom>
+          <a:solidFill>
+            <a:schemeClr val="tx1"/>
+          </a:solidFill>
+          <a:ln>
+            <a:solidFill>
+              <a:srgbClr val="FFFF00"/>
+            </a:solidFill>
+          </a:ln>
+        </p:spPr>
+        <p:style>
+          <a:lnRef idx="2">
+            <a:schemeClr val="accent1">
+              <a:shade val="50000"/>
+            </a:schemeClr>
+          </a:lnRef>
+          <a:fillRef idx="1">
+            <a:schemeClr val="accent1"/>
+          </a:fillRef>
+          <a:effectRef idx="0">
+            <a:schemeClr val="accent1"/>
+          </a:effectRef>
+          <a:fontRef idx="minor">
+            <a:schemeClr val="lt1"/>
+          </a:fontRef>
+        </p:style>
+        <p:txBody>
+          <a:bodyPr rtlCol="0" anchor="ctr"/>
+          <a:lstStyle/>
+          <a:p>
+            <a:pPr algn="ctr"/>
+            <a:endParaRPr kumimoji="1" lang="ja-JP" altLang="en-US"/>
+          </a:p>
+        </p:txBody>
+      </p:sp>
+      <p:sp>
+        <p:nvSpPr>
+          <p:cNvPr id="36" name="右矢印 35">
+            <a:extLst>
+              <a:ext uri="{FF2B5EF4-FFF2-40B4-BE49-F238E27FC236}">
+                <a16:creationId xmlns:a16="http://schemas.microsoft.com/office/drawing/2014/main" id="{9F88037A-6BEE-4E11-9BA5-7F9FCFE8DAB4}"/>
+              </a:ext>
+            </a:extLst>
+          </p:cNvPr>
+          <p:cNvSpPr/>
+          <p:nvPr/>
+        </p:nvSpPr>
+        <p:spPr>
+          <a:xfrm rot="16200000">
+            <a:off x="-703538" y="3250623"/>
+            <a:ext cx="3558744" cy="187877"/>
+          </a:xfrm>
+          <a:prstGeom prst="rightArrow">
+            <a:avLst/>
+          </a:prstGeom>
+          <a:solidFill>
+            <a:schemeClr val="tx1"/>
+          </a:solidFill>
+          <a:ln>
+            <a:solidFill>
+              <a:srgbClr val="FFFF00"/>
+            </a:solidFill>
+          </a:ln>
+        </p:spPr>
+        <p:style>
+          <a:lnRef idx="2">
+            <a:schemeClr val="accent1">
+              <a:shade val="50000"/>
+            </a:schemeClr>
+          </a:lnRef>
+          <a:fillRef idx="1">
+            <a:schemeClr val="accent1"/>
+          </a:fillRef>
+          <a:effectRef idx="0">
+            <a:schemeClr val="accent1"/>
+          </a:effectRef>
+          <a:fontRef idx="minor">
+            <a:schemeClr val="lt1"/>
+          </a:fontRef>
+        </p:style>
+        <p:txBody>
+          <a:bodyPr rtlCol="0" anchor="ctr"/>
+          <a:lstStyle/>
+          <a:p>
+            <a:pPr algn="ctr"/>
+            <a:endParaRPr kumimoji="1" lang="ja-JP" altLang="en-US"/>
+          </a:p>
+        </p:txBody>
+      </p:sp>
+      <p:sp>
+        <p:nvSpPr>
+          <p:cNvPr id="37" name="右矢印 36">
+            <a:extLst>
+              <a:ext uri="{FF2B5EF4-FFF2-40B4-BE49-F238E27FC236}">
+                <a16:creationId xmlns:a16="http://schemas.microsoft.com/office/drawing/2014/main" id="{ED44C16D-77EA-496C-987C-AAD183394282}"/>
+              </a:ext>
+            </a:extLst>
+          </p:cNvPr>
+          <p:cNvSpPr/>
+          <p:nvPr/>
+        </p:nvSpPr>
+        <p:spPr>
+          <a:xfrm rot="19860758">
+            <a:off x="1385812" y="3579447"/>
+            <a:ext cx="9078851" cy="206006"/>
+          </a:xfrm>
+          <a:prstGeom prst="rightArrow">
+            <a:avLst>
+              <a:gd name="adj1" fmla="val 50000"/>
+              <a:gd name="adj2" fmla="val 264576"/>
+            </a:avLst>
+          </a:prstGeom>
+          <a:solidFill>
+            <a:schemeClr val="tx1"/>
+          </a:solidFill>
+          <a:ln>
+            <a:solidFill>
+              <a:srgbClr val="FF0000"/>
+            </a:solidFill>
+          </a:ln>
+        </p:spPr>
+        <p:style>
+          <a:lnRef idx="2">
+            <a:schemeClr val="accent1">
+              <a:shade val="50000"/>
+            </a:schemeClr>
+          </a:lnRef>
+          <a:fillRef idx="1">
+            <a:schemeClr val="accent1"/>
+          </a:fillRef>
+          <a:effectRef idx="0">
+            <a:schemeClr val="accent1"/>
+          </a:effectRef>
+          <a:fontRef idx="minor">
+            <a:schemeClr val="lt1"/>
+          </a:fontRef>
+        </p:style>
+        <p:txBody>
+          <a:bodyPr rtlCol="0" anchor="ctr"/>
+          <a:lstStyle/>
+          <a:p>
+            <a:pPr algn="ctr"/>
+            <a:endParaRPr kumimoji="1" lang="ja-JP" altLang="en-US"/>
+          </a:p>
+        </p:txBody>
+      </p:sp>
+      <p:sp>
+        <p:nvSpPr>
+          <p:cNvPr id="38" name="右矢印 37">
+            <a:extLst>
+              <a:ext uri="{FF2B5EF4-FFF2-40B4-BE49-F238E27FC236}">
+                <a16:creationId xmlns:a16="http://schemas.microsoft.com/office/drawing/2014/main" id="{8EE57B9F-9294-4C7F-B13B-7F8D6A0F632F}"/>
+              </a:ext>
+            </a:extLst>
+          </p:cNvPr>
+          <p:cNvSpPr/>
+          <p:nvPr/>
+        </p:nvSpPr>
+        <p:spPr>
+          <a:xfrm rot="9061531">
+            <a:off x="1180390" y="3241557"/>
+            <a:ext cx="9078851" cy="206006"/>
+          </a:xfrm>
+          <a:prstGeom prst="rightArrow">
+            <a:avLst>
+              <a:gd name="adj1" fmla="val 50000"/>
+              <a:gd name="adj2" fmla="val 264576"/>
+            </a:avLst>
+          </a:prstGeom>
+          <a:solidFill>
+            <a:schemeClr val="tx1"/>
+          </a:solidFill>
+          <a:ln>
+            <a:solidFill>
+              <a:srgbClr val="FF0000"/>
+            </a:solidFill>
+          </a:ln>
+        </p:spPr>
+        <p:style>
+          <a:lnRef idx="2">
+            <a:schemeClr val="accent1">
+              <a:shade val="50000"/>
+            </a:schemeClr>
+          </a:lnRef>
+          <a:fillRef idx="1">
+            <a:schemeClr val="accent1"/>
+          </a:fillRef>
+          <a:effectRef idx="0">
+            <a:schemeClr val="accent1"/>
+          </a:effectRef>
+          <a:fontRef idx="minor">
+            <a:schemeClr val="lt1"/>
+          </a:fontRef>
+        </p:style>
+        <p:txBody>
+          <a:bodyPr rtlCol="0" anchor="ctr"/>
+          <a:lstStyle/>
+          <a:p>
+            <a:pPr algn="ctr"/>
+            <a:endParaRPr kumimoji="1" lang="ja-JP" altLang="en-US"/>
+          </a:p>
+        </p:txBody>
+      </p:sp>
+      <p:sp>
+        <p:nvSpPr>
+          <p:cNvPr id="39" name="右矢印 38">
+            <a:extLst>
+              <a:ext uri="{FF2B5EF4-FFF2-40B4-BE49-F238E27FC236}">
+                <a16:creationId xmlns:a16="http://schemas.microsoft.com/office/drawing/2014/main" id="{FE116150-8AAA-4B97-AF02-995FA3749AB6}"/>
+              </a:ext>
+            </a:extLst>
+          </p:cNvPr>
+          <p:cNvSpPr/>
+          <p:nvPr/>
+        </p:nvSpPr>
+        <p:spPr>
+          <a:xfrm rot="16200000">
+            <a:off x="8636559" y="3320174"/>
+            <a:ext cx="3558744" cy="196073"/>
+          </a:xfrm>
+          <a:prstGeom prst="rightArrow">
+            <a:avLst/>
+          </a:prstGeom>
+          <a:solidFill>
+            <a:schemeClr val="tx1"/>
+          </a:solidFill>
+          <a:ln>
+            <a:solidFill>
+              <a:srgbClr val="00B0F0"/>
+            </a:solidFill>
+          </a:ln>
+        </p:spPr>
+        <p:style>
+          <a:lnRef idx="2">
+            <a:schemeClr val="accent1">
+              <a:shade val="50000"/>
+            </a:schemeClr>
+          </a:lnRef>
+          <a:fillRef idx="1">
+            <a:schemeClr val="accent1"/>
+          </a:fillRef>
+          <a:effectRef idx="0">
+            <a:schemeClr val="accent1"/>
+          </a:effectRef>
+          <a:fontRef idx="minor">
+            <a:schemeClr val="lt1"/>
+          </a:fontRef>
+        </p:style>
+        <p:txBody>
+          <a:bodyPr rtlCol="0" anchor="ctr"/>
+          <a:lstStyle/>
+          <a:p>
+            <a:pPr algn="ctr"/>
+            <a:endParaRPr kumimoji="1" lang="ja-JP" altLang="en-US"/>
+          </a:p>
+        </p:txBody>
+      </p:sp>
+      <p:sp>
+        <p:nvSpPr>
+          <p:cNvPr id="40" name="右矢印 39">
+            <a:extLst>
+              <a:ext uri="{FF2B5EF4-FFF2-40B4-BE49-F238E27FC236}">
+                <a16:creationId xmlns:a16="http://schemas.microsoft.com/office/drawing/2014/main" id="{6756289B-7215-44BD-B114-3F95F96CFA6E}"/>
+              </a:ext>
+            </a:extLst>
+          </p:cNvPr>
+          <p:cNvSpPr/>
+          <p:nvPr/>
+        </p:nvSpPr>
+        <p:spPr>
+          <a:xfrm rot="5400000">
+            <a:off x="9080707" y="3349060"/>
+            <a:ext cx="3558744" cy="196073"/>
+          </a:xfrm>
+          <a:prstGeom prst="rightArrow">
+            <a:avLst/>
+          </a:prstGeom>
+          <a:solidFill>
+            <a:schemeClr val="tx1"/>
+          </a:solidFill>
+          <a:ln>
+            <a:solidFill>
+              <a:srgbClr val="00B0F0"/>
+            </a:solidFill>
+          </a:ln>
+        </p:spPr>
+        <p:style>
+          <a:lnRef idx="2">
+            <a:schemeClr val="accent1">
+              <a:shade val="50000"/>
+            </a:schemeClr>
+          </a:lnRef>
+          <a:fillRef idx="1">
+            <a:schemeClr val="accent1"/>
+          </a:fillRef>
+          <a:effectRef idx="0">
+            <a:schemeClr val="accent1"/>
+          </a:effectRef>
+          <a:fontRef idx="minor">
+            <a:schemeClr val="lt1"/>
+          </a:fontRef>
+        </p:style>
+        <p:txBody>
+          <a:bodyPr rtlCol="0" anchor="ctr"/>
+          <a:lstStyle/>
+          <a:p>
+            <a:pPr algn="ctr"/>
+            <a:endParaRPr kumimoji="1" lang="ja-JP" altLang="en-US"/>
+          </a:p>
+        </p:txBody>
+      </p:sp>
+      <p:pic>
+        <p:nvPicPr>
+          <p:cNvPr id="41" name="Picture 9" descr="C:\Users\yamanin3\Desktop\images\computer_tablet_man.png">
+            <a:extLst>
+              <a:ext uri="{FF2B5EF4-FFF2-40B4-BE49-F238E27FC236}">
+                <a16:creationId xmlns:a16="http://schemas.microsoft.com/office/drawing/2014/main" id="{14A9B8FC-956C-41C6-A775-368DFF04A052}"/>
+              </a:ext>
+            </a:extLst>
+          </p:cNvPr>
+          <p:cNvPicPr>
+            <a:picLocks noChangeAspect="1" noChangeArrowheads="1"/>
+          </p:cNvPicPr>
+          <p:nvPr/>
+        </p:nvPicPr>
+        <p:blipFill>
+          <a:blip r:embed="rId6" cstate="print">
+            <a:extLst>
+              <a:ext uri="{28A0092B-C50C-407E-A947-70E740481C1C}">
+                <a14:useLocalDpi xmlns:a14="http://schemas.microsoft.com/office/drawing/2010/main" val="0"/>
+              </a:ext>
+            </a:extLst>
+          </a:blip>
+          <a:srcRect/>
+          <a:stretch>
+            <a:fillRect/>
+          </a:stretch>
+        </p:blipFill>
+        <p:spPr bwMode="auto">
+          <a:xfrm>
+            <a:off x="9828687" y="644176"/>
+            <a:ext cx="593458" cy="788648"/>
+          </a:xfrm>
+          <a:prstGeom prst="rect">
+            <a:avLst/>
+          </a:prstGeom>
+          <a:noFill/>
+          <a:extLst>
+            <a:ext uri="{909E8E84-426E-40DD-AFC4-6F175D3DCCD1}">
+              <a14:hiddenFill xmlns:a14="http://schemas.microsoft.com/office/drawing/2010/main">
+                <a:solidFill>
+                  <a:srgbClr val="FFFFFF"/>
+                </a:solidFill>
+              </a14:hiddenFill>
+            </a:ext>
+          </a:extLst>
+        </p:spPr>
+      </p:pic>
+      <p:pic>
+        <p:nvPicPr>
+          <p:cNvPr id="42" name="Picture 10" descr="C:\Users\yamanin3\Desktop\images\building_koujou_entotsu.png">
+            <a:extLst>
+              <a:ext uri="{FF2B5EF4-FFF2-40B4-BE49-F238E27FC236}">
+                <a16:creationId xmlns:a16="http://schemas.microsoft.com/office/drawing/2014/main" id="{9DCD6624-EE5D-4156-AA84-D08EED4F20DA}"/>
+              </a:ext>
+            </a:extLst>
+          </p:cNvPr>
+          <p:cNvPicPr>
+            <a:picLocks noChangeAspect="1" noChangeArrowheads="1"/>
+          </p:cNvPicPr>
+          <p:nvPr/>
+        </p:nvPicPr>
+        <p:blipFill>
+          <a:blip r:embed="rId7" cstate="print">
+            <a:extLst>
+              <a:ext uri="{28A0092B-C50C-407E-A947-70E740481C1C}">
+                <a14:useLocalDpi xmlns:a14="http://schemas.microsoft.com/office/drawing/2010/main" val="0"/>
+              </a:ext>
+            </a:extLst>
+          </a:blip>
+          <a:srcRect/>
+          <a:stretch>
+            <a:fillRect/>
+          </a:stretch>
+        </p:blipFill>
+        <p:spPr bwMode="auto">
+          <a:xfrm>
+            <a:off x="10031395" y="5316093"/>
+            <a:ext cx="1378668" cy="1312673"/>
+          </a:xfrm>
+          <a:prstGeom prst="rect">
+            <a:avLst/>
+          </a:prstGeom>
+          <a:noFill/>
+          <a:extLst>
+            <a:ext uri="{909E8E84-426E-40DD-AFC4-6F175D3DCCD1}">
+              <a14:hiddenFill xmlns:a14="http://schemas.microsoft.com/office/drawing/2010/main">
+                <a:solidFill>
+                  <a:srgbClr val="FFFFFF"/>
+                </a:solidFill>
+              </a14:hiddenFill>
+            </a:ext>
+          </a:extLst>
+        </p:spPr>
+      </p:pic>
+      <p:sp>
+        <p:nvSpPr>
+          <p:cNvPr id="43" name="テキスト ボックス 42">
+            <a:extLst>
+              <a:ext uri="{FF2B5EF4-FFF2-40B4-BE49-F238E27FC236}">
+                <a16:creationId xmlns:a16="http://schemas.microsoft.com/office/drawing/2014/main" id="{E64DAEEA-90B7-4F1F-B9D4-DDD5FBCD4101}"/>
+              </a:ext>
+            </a:extLst>
+          </p:cNvPr>
+          <p:cNvSpPr txBox="1"/>
+          <p:nvPr/>
+        </p:nvSpPr>
+        <p:spPr>
+          <a:xfrm rot="19862444">
+            <a:off x="5283844" y="3675956"/>
+            <a:ext cx="1826141" cy="584775"/>
+          </a:xfrm>
+          <a:prstGeom prst="rect">
+            <a:avLst/>
+          </a:prstGeom>
+          <a:noFill/>
+        </p:spPr>
+        <p:txBody>
+          <a:bodyPr wrap="none" rtlCol="0">
+            <a:spAutoFit/>
+          </a:bodyPr>
+          <a:lstStyle/>
+          <a:p>
+            <a:r>
+              <a:rPr lang="ja-JP" altLang="en-US" sz="3200" dirty="0"/>
+              <a:t>発注依頼</a:t>
+            </a:r>
+            <a:endParaRPr kumimoji="1" lang="ja-JP" altLang="en-US" sz="3200" dirty="0"/>
+          </a:p>
+        </p:txBody>
+      </p:sp>
+      <p:sp>
+        <p:nvSpPr>
+          <p:cNvPr id="44" name="テキスト ボックス 43">
+            <a:extLst>
+              <a:ext uri="{FF2B5EF4-FFF2-40B4-BE49-F238E27FC236}">
+                <a16:creationId xmlns:a16="http://schemas.microsoft.com/office/drawing/2014/main" id="{EA72D9B2-2AED-4DBB-BBB7-23058F716681}"/>
+              </a:ext>
+            </a:extLst>
+          </p:cNvPr>
+          <p:cNvSpPr txBox="1"/>
+          <p:nvPr/>
+        </p:nvSpPr>
+        <p:spPr>
+          <a:xfrm rot="19862444">
+            <a:off x="5099726" y="2692136"/>
+            <a:ext cx="1005403" cy="584775"/>
+          </a:xfrm>
+          <a:prstGeom prst="rect">
+            <a:avLst/>
+          </a:prstGeom>
+          <a:noFill/>
+        </p:spPr>
+        <p:txBody>
+          <a:bodyPr wrap="none" rtlCol="0">
+            <a:spAutoFit/>
+          </a:bodyPr>
+          <a:lstStyle/>
+          <a:p>
+            <a:r>
+              <a:rPr kumimoji="1" lang="ja-JP" altLang="en-US" sz="3200" dirty="0"/>
+              <a:t>出庫</a:t>
+            </a:r>
+          </a:p>
+        </p:txBody>
+      </p:sp>
+      <p:sp>
+        <p:nvSpPr>
+          <p:cNvPr id="45" name="テキスト ボックス 44">
+            <a:extLst>
+              <a:ext uri="{FF2B5EF4-FFF2-40B4-BE49-F238E27FC236}">
+                <a16:creationId xmlns:a16="http://schemas.microsoft.com/office/drawing/2014/main" id="{C4183701-523B-4998-8041-71E8C9684BAA}"/>
+              </a:ext>
+            </a:extLst>
+          </p:cNvPr>
+          <p:cNvSpPr txBox="1"/>
+          <p:nvPr/>
+        </p:nvSpPr>
+        <p:spPr>
+          <a:xfrm>
+            <a:off x="9312491" y="3052174"/>
+            <a:ext cx="1005403" cy="584775"/>
+          </a:xfrm>
+          <a:prstGeom prst="rect">
+            <a:avLst/>
+          </a:prstGeom>
+          <a:noFill/>
+        </p:spPr>
+        <p:txBody>
+          <a:bodyPr wrap="none" rtlCol="0">
+            <a:spAutoFit/>
+          </a:bodyPr>
+          <a:lstStyle/>
+          <a:p>
+            <a:r>
+              <a:rPr lang="ja-JP" altLang="en-US" sz="3200" dirty="0"/>
+              <a:t>入庫</a:t>
+            </a:r>
+            <a:endParaRPr kumimoji="1" lang="ja-JP" altLang="en-US" sz="3200" dirty="0"/>
+          </a:p>
+        </p:txBody>
+      </p:sp>
+      <p:sp>
+        <p:nvSpPr>
+          <p:cNvPr id="46" name="テキスト ボックス 45">
+            <a:extLst>
+              <a:ext uri="{FF2B5EF4-FFF2-40B4-BE49-F238E27FC236}">
+                <a16:creationId xmlns:a16="http://schemas.microsoft.com/office/drawing/2014/main" id="{EDE0AB72-833D-42E1-9F8D-B692C5281F23}"/>
+              </a:ext>
+            </a:extLst>
+          </p:cNvPr>
+          <p:cNvSpPr txBox="1"/>
+          <p:nvPr/>
+        </p:nvSpPr>
+        <p:spPr>
+          <a:xfrm>
+            <a:off x="10955988" y="3052174"/>
+            <a:ext cx="1005403" cy="584775"/>
+          </a:xfrm>
+          <a:prstGeom prst="rect">
+            <a:avLst/>
+          </a:prstGeom>
+          <a:noFill/>
+        </p:spPr>
+        <p:txBody>
+          <a:bodyPr wrap="none" rtlCol="0">
+            <a:spAutoFit/>
+          </a:bodyPr>
+          <a:lstStyle/>
+          <a:p>
+            <a:r>
+              <a:rPr kumimoji="1" lang="ja-JP" altLang="en-US" sz="3200" dirty="0"/>
+              <a:t>発注</a:t>
+            </a:r>
+          </a:p>
+        </p:txBody>
+      </p:sp>
+      <p:sp>
+        <p:nvSpPr>
+          <p:cNvPr id="47" name="テキスト ボックス 46">
+            <a:extLst>
+              <a:ext uri="{FF2B5EF4-FFF2-40B4-BE49-F238E27FC236}">
+                <a16:creationId xmlns:a16="http://schemas.microsoft.com/office/drawing/2014/main" id="{FDBBA511-E157-443D-83F5-FC8BA20B924A}"/>
+              </a:ext>
+            </a:extLst>
+          </p:cNvPr>
+          <p:cNvSpPr txBox="1"/>
+          <p:nvPr/>
+        </p:nvSpPr>
+        <p:spPr>
+          <a:xfrm>
+            <a:off x="1169773" y="2688505"/>
+            <a:ext cx="576910" cy="1077218"/>
+          </a:xfrm>
+          <a:prstGeom prst="rect">
+            <a:avLst/>
+          </a:prstGeom>
+          <a:noFill/>
+        </p:spPr>
+        <p:txBody>
+          <a:bodyPr wrap="square" rtlCol="0">
+            <a:spAutoFit/>
+          </a:bodyPr>
+          <a:lstStyle/>
+          <a:p>
+            <a:r>
+              <a:rPr lang="ja-JP" altLang="en-US" sz="3200" dirty="0"/>
+              <a:t>出荷</a:t>
+            </a:r>
+            <a:endParaRPr kumimoji="1" lang="ja-JP" altLang="en-US" sz="3200" dirty="0"/>
+          </a:p>
+        </p:txBody>
+      </p:sp>
+      <p:sp>
+        <p:nvSpPr>
+          <p:cNvPr id="48" name="テキスト ボックス 47">
+            <a:extLst>
+              <a:ext uri="{FF2B5EF4-FFF2-40B4-BE49-F238E27FC236}">
+                <a16:creationId xmlns:a16="http://schemas.microsoft.com/office/drawing/2014/main" id="{1904E31B-287E-4225-9E48-27944CE486F7}"/>
+              </a:ext>
+            </a:extLst>
+          </p:cNvPr>
+          <p:cNvSpPr txBox="1"/>
+          <p:nvPr/>
+        </p:nvSpPr>
+        <p:spPr>
+          <a:xfrm>
+            <a:off x="98593" y="2688505"/>
+            <a:ext cx="576910" cy="1077218"/>
+          </a:xfrm>
+          <a:prstGeom prst="rect">
+            <a:avLst/>
+          </a:prstGeom>
+          <a:noFill/>
+        </p:spPr>
+        <p:txBody>
+          <a:bodyPr wrap="square" rtlCol="0">
+            <a:spAutoFit/>
+          </a:bodyPr>
+          <a:lstStyle/>
+          <a:p>
+            <a:r>
+              <a:rPr lang="ja-JP" altLang="en-US" sz="3200" dirty="0"/>
+              <a:t>注文</a:t>
+            </a:r>
+            <a:endParaRPr kumimoji="1" lang="ja-JP" altLang="en-US" sz="3200" dirty="0"/>
+          </a:p>
+        </p:txBody>
+      </p:sp>
+    </p:spTree>
+    <p:extLst>
+      <p:ext uri="{BB962C8B-B14F-4D97-AF65-F5344CB8AC3E}">
+        <p14:creationId xmlns:p14="http://schemas.microsoft.com/office/powerpoint/2010/main" val="2115255433"/>
+      </p:ext>
+    </p:extLst>
+  </p:cSld>
+  <p:clrMapOvr>
+    <a:masterClrMapping/>
+  </p:clrMapOvr>
+  <p:timing>
+    <p:tnLst>
+      <p:par>
+        <p:cTn id="1" dur="indefinite" restart="never" nodeType="tmRoot">
+          <p:childTnLst>
+            <p:seq concurrent="1" nextAc="seek">
+              <p:cTn id="2" dur="indefinite" nodeType="mainSeq">
+                <p:childTnLst>
+                  <p:par>
+                    <p:cTn id="3" fill="hold">
+                      <p:stCondLst>
+                        <p:cond delay="indefinite"/>
+                      </p:stCondLst>
+                      <p:childTnLst>
+                        <p:par>
+                          <p:cTn id="4" fill="hold">
+                            <p:stCondLst>
+                              <p:cond delay="0"/>
+                            </p:stCondLst>
+                            <p:childTnLst>
+                              <p:par>
+                                <p:cTn id="5" presetID="22" presetClass="entr" presetSubtype="1" fill="hold" grpId="0" nodeType="clickEffect">
+                                  <p:stCondLst>
+                                    <p:cond delay="0"/>
+                                  </p:stCondLst>
+                                  <p:childTnLst>
+                                    <p:set>
+                                      <p:cBhvr>
+                                        <p:cTn id="6" dur="1" fill="hold">
+                                          <p:stCondLst>
+                                            <p:cond delay="0"/>
+                                          </p:stCondLst>
+                                        </p:cTn>
+                                        <p:tgtEl>
+                                          <p:spTgt spid="35"/>
+                                        </p:tgtEl>
+                                        <p:attrNameLst>
+                                          <p:attrName>style.visibility</p:attrName>
+                                        </p:attrNameLst>
+                                      </p:cBhvr>
+                                      <p:to>
+                                        <p:strVal val="visible"/>
+                                      </p:to>
+                                    </p:set>
+                                    <p:animEffect transition="in" filter="wipe(up)">
+                                      <p:cBhvr>
+                                        <p:cTn id="7" dur="500"/>
+                                        <p:tgtEl>
+                                          <p:spTgt spid="35"/>
+                                        </p:tgtEl>
+                                      </p:cBhvr>
+                                    </p:animEffect>
+                                  </p:childTnLst>
+                                </p:cTn>
+                              </p:par>
+                              <p:par>
+                                <p:cTn id="8" presetID="22" presetClass="entr" presetSubtype="1" fill="hold" grpId="0" nodeType="withEffect">
+                                  <p:stCondLst>
+                                    <p:cond delay="0"/>
+                                  </p:stCondLst>
+                                  <p:childTnLst>
+                                    <p:set>
+                                      <p:cBhvr>
+                                        <p:cTn id="9" dur="1" fill="hold">
+                                          <p:stCondLst>
+                                            <p:cond delay="0"/>
+                                          </p:stCondLst>
+                                        </p:cTn>
+                                        <p:tgtEl>
+                                          <p:spTgt spid="48"/>
+                                        </p:tgtEl>
+                                        <p:attrNameLst>
+                                          <p:attrName>style.visibility</p:attrName>
+                                        </p:attrNameLst>
+                                      </p:cBhvr>
+                                      <p:to>
+                                        <p:strVal val="visible"/>
+                                      </p:to>
+                                    </p:set>
+                                    <p:animEffect transition="in" filter="wipe(up)">
+                                      <p:cBhvr>
+                                        <p:cTn id="10" dur="500"/>
+                                        <p:tgtEl>
+                                          <p:spTgt spid="48"/>
+                                        </p:tgtEl>
+                                      </p:cBhvr>
+                                    </p:animEffect>
+                                  </p:childTnLst>
+                                </p:cTn>
+                              </p:par>
+                            </p:childTnLst>
+                          </p:cTn>
+                        </p:par>
+                      </p:childTnLst>
+                    </p:cTn>
+                  </p:par>
+                  <p:par>
+                    <p:cTn id="11" fill="hold">
+                      <p:stCondLst>
+                        <p:cond delay="indefinite"/>
+                      </p:stCondLst>
+                      <p:childTnLst>
+                        <p:par>
+                          <p:cTn id="12" fill="hold">
+                            <p:stCondLst>
+                              <p:cond delay="0"/>
+                            </p:stCondLst>
+                            <p:childTnLst>
+                              <p:par>
+                                <p:cTn id="13" presetID="22" presetClass="entr" presetSubtype="8" fill="hold" grpId="0" nodeType="clickEffect">
+                                  <p:stCondLst>
+                                    <p:cond delay="0"/>
+                                  </p:stCondLst>
+                                  <p:childTnLst>
+                                    <p:set>
+                                      <p:cBhvr>
+                                        <p:cTn id="14" dur="1" fill="hold">
+                                          <p:stCondLst>
+                                            <p:cond delay="0"/>
+                                          </p:stCondLst>
+                                        </p:cTn>
+                                        <p:tgtEl>
+                                          <p:spTgt spid="37"/>
+                                        </p:tgtEl>
+                                        <p:attrNameLst>
+                                          <p:attrName>style.visibility</p:attrName>
+                                        </p:attrNameLst>
+                                      </p:cBhvr>
+                                      <p:to>
+                                        <p:strVal val="visible"/>
+                                      </p:to>
+                                    </p:set>
+                                    <p:animEffect transition="in" filter="wipe(left)">
+                                      <p:cBhvr>
+                                        <p:cTn id="15" dur="500"/>
+                                        <p:tgtEl>
+                                          <p:spTgt spid="37"/>
+                                        </p:tgtEl>
+                                      </p:cBhvr>
+                                    </p:animEffect>
+                                  </p:childTnLst>
+                                </p:cTn>
+                              </p:par>
+                              <p:par>
+                                <p:cTn id="16" presetID="22" presetClass="entr" presetSubtype="8" fill="hold" grpId="0" nodeType="withEffect">
+                                  <p:stCondLst>
+                                    <p:cond delay="0"/>
+                                  </p:stCondLst>
+                                  <p:childTnLst>
+                                    <p:set>
+                                      <p:cBhvr>
+                                        <p:cTn id="17" dur="1" fill="hold">
+                                          <p:stCondLst>
+                                            <p:cond delay="0"/>
+                                          </p:stCondLst>
+                                        </p:cTn>
+                                        <p:tgtEl>
+                                          <p:spTgt spid="43"/>
+                                        </p:tgtEl>
+                                        <p:attrNameLst>
+                                          <p:attrName>style.visibility</p:attrName>
+                                        </p:attrNameLst>
+                                      </p:cBhvr>
+                                      <p:to>
+                                        <p:strVal val="visible"/>
+                                      </p:to>
+                                    </p:set>
+                                    <p:animEffect transition="in" filter="wipe(left)">
+                                      <p:cBhvr>
+                                        <p:cTn id="18" dur="500"/>
+                                        <p:tgtEl>
+                                          <p:spTgt spid="43"/>
+                                        </p:tgtEl>
+                                      </p:cBhvr>
+                                    </p:animEffect>
+                                  </p:childTnLst>
+                                </p:cTn>
+                              </p:par>
+                            </p:childTnLst>
+                          </p:cTn>
+                        </p:par>
+                      </p:childTnLst>
+                    </p:cTn>
+                  </p:par>
+                  <p:par>
+                    <p:cTn id="19" fill="hold">
+                      <p:stCondLst>
+                        <p:cond delay="indefinite"/>
+                      </p:stCondLst>
+                      <p:childTnLst>
+                        <p:par>
+                          <p:cTn id="20" fill="hold">
+                            <p:stCondLst>
+                              <p:cond delay="0"/>
+                            </p:stCondLst>
+                            <p:childTnLst>
+                              <p:par>
+                                <p:cTn id="21" presetID="22" presetClass="entr" presetSubtype="1" fill="hold" grpId="0" nodeType="clickEffect">
+                                  <p:stCondLst>
+                                    <p:cond delay="0"/>
+                                  </p:stCondLst>
+                                  <p:childTnLst>
+                                    <p:set>
+                                      <p:cBhvr>
+                                        <p:cTn id="22" dur="1" fill="hold">
+                                          <p:stCondLst>
+                                            <p:cond delay="0"/>
+                                          </p:stCondLst>
+                                        </p:cTn>
+                                        <p:tgtEl>
+                                          <p:spTgt spid="40"/>
+                                        </p:tgtEl>
+                                        <p:attrNameLst>
+                                          <p:attrName>style.visibility</p:attrName>
+                                        </p:attrNameLst>
+                                      </p:cBhvr>
+                                      <p:to>
+                                        <p:strVal val="visible"/>
+                                      </p:to>
+                                    </p:set>
+                                    <p:animEffect transition="in" filter="wipe(up)">
+                                      <p:cBhvr>
+                                        <p:cTn id="23" dur="500"/>
+                                        <p:tgtEl>
+                                          <p:spTgt spid="40"/>
+                                        </p:tgtEl>
+                                      </p:cBhvr>
+                                    </p:animEffect>
+                                  </p:childTnLst>
+                                </p:cTn>
+                              </p:par>
+                              <p:par>
+                                <p:cTn id="24" presetID="22" presetClass="entr" presetSubtype="1" fill="hold" grpId="0" nodeType="withEffect">
+                                  <p:stCondLst>
+                                    <p:cond delay="0"/>
+                                  </p:stCondLst>
+                                  <p:childTnLst>
+                                    <p:set>
+                                      <p:cBhvr>
+                                        <p:cTn id="25" dur="1" fill="hold">
+                                          <p:stCondLst>
+                                            <p:cond delay="0"/>
+                                          </p:stCondLst>
+                                        </p:cTn>
+                                        <p:tgtEl>
+                                          <p:spTgt spid="46"/>
+                                        </p:tgtEl>
+                                        <p:attrNameLst>
+                                          <p:attrName>style.visibility</p:attrName>
+                                        </p:attrNameLst>
+                                      </p:cBhvr>
+                                      <p:to>
+                                        <p:strVal val="visible"/>
+                                      </p:to>
+                                    </p:set>
+                                    <p:animEffect transition="in" filter="wipe(up)">
+                                      <p:cBhvr>
+                                        <p:cTn id="26" dur="500"/>
+                                        <p:tgtEl>
+                                          <p:spTgt spid="46"/>
+                                        </p:tgtEl>
+                                      </p:cBhvr>
+                                    </p:animEffect>
+                                  </p:childTnLst>
+                                </p:cTn>
+                              </p:par>
+                            </p:childTnLst>
+                          </p:cTn>
+                        </p:par>
+                      </p:childTnLst>
+                    </p:cTn>
+                  </p:par>
+                  <p:par>
+                    <p:cTn id="27" fill="hold">
+                      <p:stCondLst>
+                        <p:cond delay="indefinite"/>
+                      </p:stCondLst>
+                      <p:childTnLst>
+                        <p:par>
+                          <p:cTn id="28" fill="hold">
+                            <p:stCondLst>
+                              <p:cond delay="0"/>
+                            </p:stCondLst>
+                            <p:childTnLst>
+                              <p:par>
+                                <p:cTn id="29" presetID="22" presetClass="entr" presetSubtype="4" fill="hold" grpId="0" nodeType="clickEffect">
+                                  <p:stCondLst>
+                                    <p:cond delay="0"/>
+                                  </p:stCondLst>
+                                  <p:childTnLst>
+                                    <p:set>
+                                      <p:cBhvr>
+                                        <p:cTn id="30" dur="1" fill="hold">
+                                          <p:stCondLst>
+                                            <p:cond delay="0"/>
+                                          </p:stCondLst>
+                                        </p:cTn>
+                                        <p:tgtEl>
+                                          <p:spTgt spid="39"/>
+                                        </p:tgtEl>
+                                        <p:attrNameLst>
+                                          <p:attrName>style.visibility</p:attrName>
+                                        </p:attrNameLst>
+                                      </p:cBhvr>
+                                      <p:to>
+                                        <p:strVal val="visible"/>
+                                      </p:to>
+                                    </p:set>
+                                    <p:animEffect transition="in" filter="wipe(down)">
+                                      <p:cBhvr>
+                                        <p:cTn id="31" dur="500"/>
+                                        <p:tgtEl>
+                                          <p:spTgt spid="39"/>
+                                        </p:tgtEl>
+                                      </p:cBhvr>
+                                    </p:animEffect>
+                                  </p:childTnLst>
+                                </p:cTn>
+                              </p:par>
+                              <p:par>
+                                <p:cTn id="32" presetID="22" presetClass="entr" presetSubtype="4" fill="hold" grpId="0" nodeType="withEffect">
+                                  <p:stCondLst>
+                                    <p:cond delay="0"/>
+                                  </p:stCondLst>
+                                  <p:childTnLst>
+                                    <p:set>
+                                      <p:cBhvr>
+                                        <p:cTn id="33" dur="1" fill="hold">
+                                          <p:stCondLst>
+                                            <p:cond delay="0"/>
+                                          </p:stCondLst>
+                                        </p:cTn>
+                                        <p:tgtEl>
+                                          <p:spTgt spid="45"/>
+                                        </p:tgtEl>
+                                        <p:attrNameLst>
+                                          <p:attrName>style.visibility</p:attrName>
+                                        </p:attrNameLst>
+                                      </p:cBhvr>
+                                      <p:to>
+                                        <p:strVal val="visible"/>
+                                      </p:to>
+                                    </p:set>
+                                    <p:animEffect transition="in" filter="wipe(down)">
+                                      <p:cBhvr>
+                                        <p:cTn id="34" dur="500"/>
+                                        <p:tgtEl>
+                                          <p:spTgt spid="45"/>
+                                        </p:tgtEl>
+                                      </p:cBhvr>
+                                    </p:animEffect>
+                                  </p:childTnLst>
+                                </p:cTn>
+                              </p:par>
+                            </p:childTnLst>
+                          </p:cTn>
+                        </p:par>
+                      </p:childTnLst>
+                    </p:cTn>
+                  </p:par>
+                  <p:par>
+                    <p:cTn id="35" fill="hold">
+                      <p:stCondLst>
+                        <p:cond delay="indefinite"/>
+                      </p:stCondLst>
+                      <p:childTnLst>
+                        <p:par>
+                          <p:cTn id="36" fill="hold">
+                            <p:stCondLst>
+                              <p:cond delay="0"/>
+                            </p:stCondLst>
+                            <p:childTnLst>
+                              <p:par>
+                                <p:cTn id="37" presetID="22" presetClass="entr" presetSubtype="2" fill="hold" grpId="0" nodeType="clickEffect">
+                                  <p:stCondLst>
+                                    <p:cond delay="0"/>
+                                  </p:stCondLst>
+                                  <p:childTnLst>
+                                    <p:set>
+                                      <p:cBhvr>
+                                        <p:cTn id="38" dur="1" fill="hold">
+                                          <p:stCondLst>
+                                            <p:cond delay="0"/>
+                                          </p:stCondLst>
+                                        </p:cTn>
+                                        <p:tgtEl>
+                                          <p:spTgt spid="38"/>
+                                        </p:tgtEl>
+                                        <p:attrNameLst>
+                                          <p:attrName>style.visibility</p:attrName>
+                                        </p:attrNameLst>
+                                      </p:cBhvr>
+                                      <p:to>
+                                        <p:strVal val="visible"/>
+                                      </p:to>
+                                    </p:set>
+                                    <p:animEffect transition="in" filter="wipe(right)">
+                                      <p:cBhvr>
+                                        <p:cTn id="39" dur="500"/>
+                                        <p:tgtEl>
+                                          <p:spTgt spid="38"/>
+                                        </p:tgtEl>
+                                      </p:cBhvr>
+                                    </p:animEffect>
+                                  </p:childTnLst>
+                                </p:cTn>
+                              </p:par>
+                              <p:par>
+                                <p:cTn id="40" presetID="22" presetClass="entr" presetSubtype="2" fill="hold" grpId="0" nodeType="withEffect">
+                                  <p:stCondLst>
+                                    <p:cond delay="0"/>
+                                  </p:stCondLst>
+                                  <p:childTnLst>
+                                    <p:set>
+                                      <p:cBhvr>
+                                        <p:cTn id="41" dur="1" fill="hold">
+                                          <p:stCondLst>
+                                            <p:cond delay="0"/>
+                                          </p:stCondLst>
+                                        </p:cTn>
+                                        <p:tgtEl>
+                                          <p:spTgt spid="44"/>
+                                        </p:tgtEl>
+                                        <p:attrNameLst>
+                                          <p:attrName>style.visibility</p:attrName>
+                                        </p:attrNameLst>
+                                      </p:cBhvr>
+                                      <p:to>
+                                        <p:strVal val="visible"/>
+                                      </p:to>
+                                    </p:set>
+                                    <p:animEffect transition="in" filter="wipe(right)">
+                                      <p:cBhvr>
+                                        <p:cTn id="42" dur="500"/>
+                                        <p:tgtEl>
+                                          <p:spTgt spid="44"/>
+                                        </p:tgtEl>
+                                      </p:cBhvr>
+                                    </p:animEffect>
+                                  </p:childTnLst>
+                                </p:cTn>
+                              </p:par>
+                            </p:childTnLst>
+                          </p:cTn>
+                        </p:par>
+                      </p:childTnLst>
+                    </p:cTn>
+                  </p:par>
+                  <p:par>
+                    <p:cTn id="43" fill="hold">
+                      <p:stCondLst>
+                        <p:cond delay="indefinite"/>
+                      </p:stCondLst>
+                      <p:childTnLst>
+                        <p:par>
+                          <p:cTn id="44" fill="hold">
+                            <p:stCondLst>
+                              <p:cond delay="0"/>
+                            </p:stCondLst>
+                            <p:childTnLst>
+                              <p:par>
+                                <p:cTn id="45" presetID="22" presetClass="entr" presetSubtype="4" fill="hold" grpId="0" nodeType="clickEffect">
+                                  <p:stCondLst>
+                                    <p:cond delay="0"/>
+                                  </p:stCondLst>
+                                  <p:childTnLst>
+                                    <p:set>
+                                      <p:cBhvr>
+                                        <p:cTn id="46" dur="1" fill="hold">
+                                          <p:stCondLst>
+                                            <p:cond delay="0"/>
+                                          </p:stCondLst>
+                                        </p:cTn>
+                                        <p:tgtEl>
+                                          <p:spTgt spid="36"/>
+                                        </p:tgtEl>
+                                        <p:attrNameLst>
+                                          <p:attrName>style.visibility</p:attrName>
+                                        </p:attrNameLst>
+                                      </p:cBhvr>
+                                      <p:to>
+                                        <p:strVal val="visible"/>
+                                      </p:to>
+                                    </p:set>
+                                    <p:animEffect transition="in" filter="wipe(down)">
+                                      <p:cBhvr>
+                                        <p:cTn id="47" dur="500"/>
+                                        <p:tgtEl>
+                                          <p:spTgt spid="36"/>
+                                        </p:tgtEl>
+                                      </p:cBhvr>
+                                    </p:animEffect>
+                                  </p:childTnLst>
+                                </p:cTn>
+                              </p:par>
+                              <p:par>
+                                <p:cTn id="48" presetID="22" presetClass="entr" presetSubtype="4" fill="hold" grpId="0" nodeType="withEffect">
+                                  <p:stCondLst>
+                                    <p:cond delay="0"/>
+                                  </p:stCondLst>
+                                  <p:childTnLst>
+                                    <p:set>
+                                      <p:cBhvr>
+                                        <p:cTn id="49" dur="1" fill="hold">
+                                          <p:stCondLst>
+                                            <p:cond delay="0"/>
+                                          </p:stCondLst>
+                                        </p:cTn>
+                                        <p:tgtEl>
+                                          <p:spTgt spid="47"/>
+                                        </p:tgtEl>
+                                        <p:attrNameLst>
+                                          <p:attrName>style.visibility</p:attrName>
+                                        </p:attrNameLst>
+                                      </p:cBhvr>
+                                      <p:to>
+                                        <p:strVal val="visible"/>
+                                      </p:to>
+                                    </p:set>
+                                    <p:animEffect transition="in" filter="wipe(down)">
+                                      <p:cBhvr>
+                                        <p:cTn id="50" dur="500"/>
+                                        <p:tgtEl>
+                                          <p:spTgt spid="47"/>
+                                        </p:tgtEl>
+                                      </p:cBhvr>
+                                    </p:animEffect>
+                                  </p:childTnLst>
+                                </p:cTn>
+                              </p:par>
+                            </p:childTnLst>
+                          </p:cTn>
+                        </p:par>
+                      </p:childTnLst>
+                    </p:cTn>
+                  </p:par>
+                </p:childTnLst>
+              </p:cTn>
+              <p:prevCondLst>
+                <p:cond evt="onPrev" delay="0">
+                  <p:tgtEl>
+                    <p:sldTgt/>
+                  </p:tgtEl>
+                </p:cond>
+              </p:prevCondLst>
+              <p:nextCondLst>
+                <p:cond evt="onNext" delay="0">
+                  <p:tgtEl>
+                    <p:sldTgt/>
+                  </p:tgtEl>
+                </p:cond>
+              </p:nextCondLst>
+            </p:seq>
+          </p:childTnLst>
+        </p:cTn>
+      </p:par>
+    </p:tnLst>
+    <p:bldLst>
+      <p:bldP spid="35" grpId="0" animBg="1"/>
+      <p:bldP spid="36" grpId="0" animBg="1"/>
+      <p:bldP spid="37" grpId="0" animBg="1"/>
+      <p:bldP spid="38" grpId="0" animBg="1"/>
+      <p:bldP spid="39" grpId="0" animBg="1"/>
+      <p:bldP spid="40" grpId="0" animBg="1"/>
+      <p:bldP spid="43" grpId="0"/>
+      <p:bldP spid="44" grpId="0"/>
+      <p:bldP spid="45" grpId="0"/>
+      <p:bldP spid="46" grpId="0"/>
+      <p:bldP spid="47" grpId="0"/>
+      <p:bldP spid="48" grpId="0"/>
     </p:bldLst>
   </p:timing>
 </p:sld>

--- a/最終企画発表用.pptx
+++ b/最終企画発表用.pptx
@@ -5,7 +5,7 @@
     <p:sldMasterId id="2147483648" r:id="rId1"/>
   </p:sldMasterIdLst>
   <p:notesMasterIdLst>
-    <p:notesMasterId r:id="rId7"/>
+    <p:notesMasterId r:id="rId10"/>
   </p:notesMasterIdLst>
   <p:sldIdLst>
     <p:sldId id="256" r:id="rId2"/>
@@ -13,6 +13,9 @@
     <p:sldId id="258" r:id="rId4"/>
     <p:sldId id="259" r:id="rId5"/>
     <p:sldId id="260" r:id="rId6"/>
+    <p:sldId id="261" r:id="rId7"/>
+    <p:sldId id="262" r:id="rId8"/>
+    <p:sldId id="263" r:id="rId9"/>
   </p:sldIdLst>
   <p:sldSz cx="12192000" cy="6858000"/>
   <p:notesSz cx="6858000" cy="9144000"/>
@@ -212,7 +215,7 @@
           <a:p>
             <a:fld id="{CAE84496-002F-4900-B6A4-8E88F6289FFB}" type="datetimeFigureOut">
               <a:rPr kumimoji="1" lang="ja-JP" altLang="en-US" smtClean="0"/>
-              <a:t>2020/1/10</a:t>
+              <a:t>2020/1/12</a:t>
             </a:fld>
             <a:endParaRPr kumimoji="1" lang="ja-JP" altLang="en-US"/>
           </a:p>
@@ -779,7 +782,7 @@
           <a:p>
             <a:fld id="{91CC3B0B-2BE4-4029-918F-2729D5B1E6F1}" type="datetimeFigureOut">
               <a:rPr kumimoji="1" lang="ja-JP" altLang="en-US" smtClean="0"/>
-              <a:t>2020/1/10</a:t>
+              <a:t>2020/1/12</a:t>
             </a:fld>
             <a:endParaRPr kumimoji="1" lang="ja-JP" altLang="en-US"/>
           </a:p>
@@ -979,7 +982,7 @@
           <a:p>
             <a:fld id="{91CC3B0B-2BE4-4029-918F-2729D5B1E6F1}" type="datetimeFigureOut">
               <a:rPr kumimoji="1" lang="ja-JP" altLang="en-US" smtClean="0"/>
-              <a:t>2020/1/10</a:t>
+              <a:t>2020/1/12</a:t>
             </a:fld>
             <a:endParaRPr kumimoji="1" lang="ja-JP" altLang="en-US"/>
           </a:p>
@@ -1189,7 +1192,7 @@
           <a:p>
             <a:fld id="{91CC3B0B-2BE4-4029-918F-2729D5B1E6F1}" type="datetimeFigureOut">
               <a:rPr kumimoji="1" lang="ja-JP" altLang="en-US" smtClean="0"/>
-              <a:t>2020/1/10</a:t>
+              <a:t>2020/1/12</a:t>
             </a:fld>
             <a:endParaRPr kumimoji="1" lang="ja-JP" altLang="en-US"/>
           </a:p>
@@ -1389,7 +1392,7 @@
           <a:p>
             <a:fld id="{91CC3B0B-2BE4-4029-918F-2729D5B1E6F1}" type="datetimeFigureOut">
               <a:rPr kumimoji="1" lang="ja-JP" altLang="en-US" smtClean="0"/>
-              <a:t>2020/1/10</a:t>
+              <a:t>2020/1/12</a:t>
             </a:fld>
             <a:endParaRPr kumimoji="1" lang="ja-JP" altLang="en-US"/>
           </a:p>
@@ -1634,7 +1637,7 @@
           <a:p>
             <a:fld id="{91CC3B0B-2BE4-4029-918F-2729D5B1E6F1}" type="datetimeFigureOut">
               <a:rPr kumimoji="1" lang="ja-JP" altLang="en-US" smtClean="0"/>
-              <a:t>2020/1/10</a:t>
+              <a:t>2020/1/12</a:t>
             </a:fld>
             <a:endParaRPr kumimoji="1" lang="ja-JP" altLang="en-US"/>
           </a:p>
@@ -1983,7 +1986,7 @@
           <a:p>
             <a:fld id="{91CC3B0B-2BE4-4029-918F-2729D5B1E6F1}" type="datetimeFigureOut">
               <a:rPr kumimoji="1" lang="ja-JP" altLang="en-US" smtClean="0"/>
-              <a:t>2020/1/10</a:t>
+              <a:t>2020/1/12</a:t>
             </a:fld>
             <a:endParaRPr kumimoji="1" lang="ja-JP" altLang="en-US"/>
           </a:p>
@@ -2466,7 +2469,7 @@
           <a:p>
             <a:fld id="{91CC3B0B-2BE4-4029-918F-2729D5B1E6F1}" type="datetimeFigureOut">
               <a:rPr kumimoji="1" lang="ja-JP" altLang="en-US" smtClean="0"/>
-              <a:t>2020/1/10</a:t>
+              <a:t>2020/1/12</a:t>
             </a:fld>
             <a:endParaRPr kumimoji="1" lang="ja-JP" altLang="en-US"/>
           </a:p>
@@ -2583,7 +2586,7 @@
           <a:p>
             <a:fld id="{91CC3B0B-2BE4-4029-918F-2729D5B1E6F1}" type="datetimeFigureOut">
               <a:rPr kumimoji="1" lang="ja-JP" altLang="en-US" smtClean="0"/>
-              <a:t>2020/1/10</a:t>
+              <a:t>2020/1/12</a:t>
             </a:fld>
             <a:endParaRPr kumimoji="1" lang="ja-JP" altLang="en-US"/>
           </a:p>
@@ -2678,7 +2681,7 @@
           <a:p>
             <a:fld id="{91CC3B0B-2BE4-4029-918F-2729D5B1E6F1}" type="datetimeFigureOut">
               <a:rPr kumimoji="1" lang="ja-JP" altLang="en-US" smtClean="0"/>
-              <a:t>2020/1/10</a:t>
+              <a:t>2020/1/12</a:t>
             </a:fld>
             <a:endParaRPr kumimoji="1" lang="ja-JP" altLang="en-US"/>
           </a:p>
@@ -2985,7 +2988,7 @@
           <a:p>
             <a:fld id="{91CC3B0B-2BE4-4029-918F-2729D5B1E6F1}" type="datetimeFigureOut">
               <a:rPr kumimoji="1" lang="ja-JP" altLang="en-US" smtClean="0"/>
-              <a:t>2020/1/10</a:t>
+              <a:t>2020/1/12</a:t>
             </a:fld>
             <a:endParaRPr kumimoji="1" lang="ja-JP" altLang="en-US"/>
           </a:p>
@@ -3237,7 +3240,7 @@
           <a:p>
             <a:fld id="{91CC3B0B-2BE4-4029-918F-2729D5B1E6F1}" type="datetimeFigureOut">
               <a:rPr kumimoji="1" lang="ja-JP" altLang="en-US" smtClean="0"/>
-              <a:t>2020/1/10</a:t>
+              <a:t>2020/1/12</a:t>
             </a:fld>
             <a:endParaRPr kumimoji="1" lang="ja-JP" altLang="en-US"/>
           </a:p>
@@ -3488,7 +3491,7 @@
           <a:p>
             <a:fld id="{91CC3B0B-2BE4-4029-918F-2729D5B1E6F1}" type="datetimeFigureOut">
               <a:rPr kumimoji="1" lang="ja-JP" altLang="en-US" smtClean="0"/>
-              <a:t>2020/1/10</a:t>
+              <a:t>2020/1/12</a:t>
             </a:fld>
             <a:endParaRPr kumimoji="1" lang="ja-JP" altLang="en-US"/>
           </a:p>
@@ -4096,6 +4099,54 @@
           </a:p>
         </p:txBody>
       </p:sp>
+      <p:sp>
+        <p:nvSpPr>
+          <p:cNvPr id="7" name="テキスト ボックス 6">
+            <a:extLst>
+              <a:ext uri="{FF2B5EF4-FFF2-40B4-BE49-F238E27FC236}">
+                <a16:creationId xmlns:a16="http://schemas.microsoft.com/office/drawing/2014/main" id="{FBB9A693-DD51-4437-ADEC-090CEAA1D177}"/>
+              </a:ext>
+            </a:extLst>
+          </p:cNvPr>
+          <p:cNvSpPr txBox="1"/>
+          <p:nvPr/>
+        </p:nvSpPr>
+        <p:spPr>
+          <a:xfrm>
+            <a:off x="3753112" y="6093296"/>
+            <a:ext cx="4685775" cy="584775"/>
+          </a:xfrm>
+          <a:prstGeom prst="rect">
+            <a:avLst/>
+          </a:prstGeom>
+          <a:noFill/>
+        </p:spPr>
+        <p:txBody>
+          <a:bodyPr wrap="square" rtlCol="0">
+            <a:spAutoFit/>
+          </a:bodyPr>
+          <a:lstStyle/>
+          <a:p>
+            <a:r>
+              <a:rPr lang="ja-JP" altLang="en-US" sz="3200" b="1" dirty="0">
+                <a:solidFill>
+                  <a:srgbClr val="FF0000"/>
+                </a:solidFill>
+              </a:rPr>
+              <a:t>販売対象物</a:t>
+            </a:r>
+            <a:r>
+              <a:rPr lang="en-US" altLang="ja-JP" sz="3200" b="1" dirty="0"/>
+              <a:t>: </a:t>
+            </a:r>
+            <a:r>
+              <a:rPr lang="ja-JP" altLang="en-US" sz="3200" b="1" dirty="0"/>
+              <a:t>モデルガン</a:t>
+            </a:r>
+            <a:endParaRPr lang="ja-JP" altLang="ja-JP" sz="3200" b="1" dirty="0"/>
+          </a:p>
+        </p:txBody>
+      </p:sp>
     </p:spTree>
     <p:extLst>
       <p:ext uri="{BB962C8B-B14F-4D97-AF65-F5344CB8AC3E}">
@@ -4138,7 +4189,7 @@
         </p:nvSpPr>
         <p:spPr>
           <a:xfrm>
-            <a:off x="2063552" y="0"/>
+            <a:off x="2063552" y="-27384"/>
             <a:ext cx="8064896" cy="1080119"/>
           </a:xfrm>
         </p:spPr>
@@ -4151,51 +4202,6 @@
             <a:r>
               <a:rPr kumimoji="1" lang="ja-JP" altLang="en-US" dirty="0"/>
               <a:t>システムの変更点</a:t>
-            </a:r>
-          </a:p>
-        </p:txBody>
-      </p:sp>
-      <p:sp>
-        <p:nvSpPr>
-          <p:cNvPr id="5" name="タイトル 1"/>
-          <p:cNvSpPr txBox="1">
-            <a:spLocks/>
-          </p:cNvSpPr>
-          <p:nvPr/>
-        </p:nvSpPr>
-        <p:spPr>
-          <a:xfrm>
-            <a:off x="1539280" y="1628801"/>
-            <a:ext cx="2577836" cy="396043"/>
-          </a:xfrm>
-          <a:prstGeom prst="rect">
-            <a:avLst/>
-          </a:prstGeom>
-        </p:spPr>
-        <p:txBody>
-          <a:bodyPr vert="horz" lIns="91440" tIns="45720" rIns="91440" bIns="45720" rtlCol="0" anchor="ctr">
-            <a:noAutofit/>
-          </a:bodyPr>
-          <a:lstStyle>
-            <a:lvl1pPr algn="ctr" defTabSz="914400" rtl="0" eaLnBrk="1" latinLnBrk="0" hangingPunct="1">
-              <a:spcBef>
-                <a:spcPct val="0"/>
-              </a:spcBef>
-              <a:buNone/>
-              <a:defRPr kumimoji="1" sz="4400" kern="1200">
-                <a:solidFill>
-                  <a:schemeClr val="tx1"/>
-                </a:solidFill>
-                <a:latin typeface="+mj-lt"/>
-                <a:ea typeface="+mj-ea"/>
-                <a:cs typeface="+mj-cs"/>
-              </a:defRPr>
-            </a:lvl1pPr>
-          </a:lstStyle>
-          <a:p>
-            <a:r>
-              <a:rPr lang="ja-JP" altLang="en-US" sz="2800" dirty="0"/>
-              <a:t>企画発表時</a:t>
             </a:r>
           </a:p>
         </p:txBody>
@@ -4500,6 +4506,57 @@
           </a:prstGeom>
         </p:spPr>
       </p:pic>
+      <p:sp>
+        <p:nvSpPr>
+          <p:cNvPr id="21" name="タイトル 1">
+            <a:extLst>
+              <a:ext uri="{FF2B5EF4-FFF2-40B4-BE49-F238E27FC236}">
+                <a16:creationId xmlns:a16="http://schemas.microsoft.com/office/drawing/2014/main" id="{55BCDE73-0152-4EFF-99D1-8A2FAE505B8E}"/>
+              </a:ext>
+            </a:extLst>
+          </p:cNvPr>
+          <p:cNvSpPr txBox="1">
+            <a:spLocks/>
+          </p:cNvSpPr>
+          <p:nvPr/>
+        </p:nvSpPr>
+        <p:spPr>
+          <a:xfrm>
+            <a:off x="1539279" y="1212867"/>
+            <a:ext cx="2031895" cy="396043"/>
+          </a:xfrm>
+          <a:prstGeom prst="rect">
+            <a:avLst/>
+          </a:prstGeom>
+        </p:spPr>
+        <p:txBody>
+          <a:bodyPr vert="horz" lIns="91440" tIns="45720" rIns="91440" bIns="45720" rtlCol="0" anchor="ctr">
+            <a:noAutofit/>
+          </a:bodyPr>
+          <a:lstStyle>
+            <a:lvl1pPr algn="ctr" defTabSz="914400" rtl="0" eaLnBrk="1" latinLnBrk="0" hangingPunct="1">
+              <a:spcBef>
+                <a:spcPct val="0"/>
+              </a:spcBef>
+              <a:buNone/>
+              <a:defRPr kumimoji="1" sz="4400" kern="1200">
+                <a:solidFill>
+                  <a:schemeClr val="tx1"/>
+                </a:solidFill>
+                <a:latin typeface="+mj-lt"/>
+                <a:ea typeface="+mj-ea"/>
+                <a:cs typeface="+mj-cs"/>
+              </a:defRPr>
+            </a:lvl1pPr>
+          </a:lstStyle>
+          <a:p>
+            <a:r>
+              <a:rPr lang="ja-JP" altLang="en-US" sz="2800" dirty="0"/>
+              <a:t>企画発表時</a:t>
+            </a:r>
+          </a:p>
+        </p:txBody>
+      </p:sp>
     </p:spTree>
     <p:extLst>
       <p:ext uri="{BB962C8B-B14F-4D97-AF65-F5344CB8AC3E}">
@@ -8367,6 +8424,246 @@
 </p:sld>
 </file>
 
+<file path=ppt/slides/slide6.xml><?xml version="1.0" encoding="utf-8"?>
+<p:sld xmlns:a="http://schemas.openxmlformats.org/drawingml/2006/main" xmlns:r="http://schemas.openxmlformats.org/officeDocument/2006/relationships" xmlns:p="http://schemas.openxmlformats.org/presentationml/2006/main">
+  <p:cSld>
+    <p:spTree>
+      <p:nvGrpSpPr>
+        <p:cNvPr id="1" name=""/>
+        <p:cNvGrpSpPr/>
+        <p:nvPr/>
+      </p:nvGrpSpPr>
+      <p:grpSpPr>
+        <a:xfrm>
+          <a:off x="0" y="0"/>
+          <a:ext cx="0" cy="0"/>
+          <a:chOff x="0" y="0"/>
+          <a:chExt cx="0" cy="0"/>
+        </a:xfrm>
+      </p:grpSpPr>
+      <p:sp>
+        <p:nvSpPr>
+          <p:cNvPr id="2" name="タイトル 1">
+            <a:extLst>
+              <a:ext uri="{FF2B5EF4-FFF2-40B4-BE49-F238E27FC236}">
+                <a16:creationId xmlns:a16="http://schemas.microsoft.com/office/drawing/2014/main" id="{62A05A6F-145E-4A71-B0CF-2C424BBF36BD}"/>
+              </a:ext>
+            </a:extLst>
+          </p:cNvPr>
+          <p:cNvSpPr>
+            <a:spLocks noGrp="1"/>
+          </p:cNvSpPr>
+          <p:nvPr>
+            <p:ph type="title"/>
+          </p:nvPr>
+        </p:nvSpPr>
+        <p:spPr>
+          <a:xfrm>
+            <a:off x="3391543" y="24693"/>
+            <a:ext cx="5400599" cy="1080119"/>
+          </a:xfrm>
+        </p:spPr>
+        <p:txBody>
+          <a:bodyPr>
+            <a:noAutofit/>
+          </a:bodyPr>
+          <a:lstStyle/>
+          <a:p>
+            <a:r>
+              <a:rPr lang="ja-JP" altLang="en-US" dirty="0"/>
+              <a:t>画面遷移図</a:t>
+            </a:r>
+            <a:endParaRPr kumimoji="1" lang="ja-JP" altLang="en-US" dirty="0"/>
+          </a:p>
+        </p:txBody>
+      </p:sp>
+      <p:pic>
+        <p:nvPicPr>
+          <p:cNvPr id="4" name="図 3">
+            <a:extLst>
+              <a:ext uri="{FF2B5EF4-FFF2-40B4-BE49-F238E27FC236}">
+                <a16:creationId xmlns:a16="http://schemas.microsoft.com/office/drawing/2014/main" id="{B2C9ADAC-2BA1-4B4C-BB36-A88318A7BB33}"/>
+              </a:ext>
+            </a:extLst>
+          </p:cNvPr>
+          <p:cNvPicPr>
+            <a:picLocks noChangeAspect="1"/>
+          </p:cNvPicPr>
+          <p:nvPr/>
+        </p:nvPicPr>
+        <p:blipFill>
+          <a:blip r:embed="rId2">
+            <a:extLst>
+              <a:ext uri="{28A0092B-C50C-407E-A947-70E740481C1C}">
+                <a14:useLocalDpi xmlns:a14="http://schemas.microsoft.com/office/drawing/2010/main" val="0"/>
+              </a:ext>
+            </a:extLst>
+          </a:blip>
+          <a:stretch>
+            <a:fillRect/>
+          </a:stretch>
+        </p:blipFill>
+        <p:spPr>
+          <a:xfrm>
+            <a:off x="4131325" y="908720"/>
+            <a:ext cx="3929349" cy="5753187"/>
+          </a:xfrm>
+          <a:prstGeom prst="rect">
+            <a:avLst/>
+          </a:prstGeom>
+        </p:spPr>
+      </p:pic>
+    </p:spTree>
+    <p:extLst>
+      <p:ext uri="{BB962C8B-B14F-4D97-AF65-F5344CB8AC3E}">
+        <p14:creationId xmlns:p14="http://schemas.microsoft.com/office/powerpoint/2010/main" val="3913289561"/>
+      </p:ext>
+    </p:extLst>
+  </p:cSld>
+  <p:clrMapOvr>
+    <a:masterClrMapping/>
+  </p:clrMapOvr>
+</p:sld>
+</file>
+
+<file path=ppt/slides/slide7.xml><?xml version="1.0" encoding="utf-8"?>
+<p:sld xmlns:a="http://schemas.openxmlformats.org/drawingml/2006/main" xmlns:r="http://schemas.openxmlformats.org/officeDocument/2006/relationships" xmlns:p="http://schemas.openxmlformats.org/presentationml/2006/main">
+  <p:cSld>
+    <p:spTree>
+      <p:nvGrpSpPr>
+        <p:cNvPr id="1" name=""/>
+        <p:cNvGrpSpPr/>
+        <p:nvPr/>
+      </p:nvGrpSpPr>
+      <p:grpSpPr>
+        <a:xfrm>
+          <a:off x="0" y="0"/>
+          <a:ext cx="0" cy="0"/>
+          <a:chOff x="0" y="0"/>
+          <a:chExt cx="0" cy="0"/>
+        </a:xfrm>
+      </p:grpSpPr>
+      <p:sp>
+        <p:nvSpPr>
+          <p:cNvPr id="7" name="タイトル 1">
+            <a:extLst>
+              <a:ext uri="{FF2B5EF4-FFF2-40B4-BE49-F238E27FC236}">
+                <a16:creationId xmlns:a16="http://schemas.microsoft.com/office/drawing/2014/main" id="{0DE030F7-D73D-452E-94AC-882561531DA9}"/>
+              </a:ext>
+            </a:extLst>
+          </p:cNvPr>
+          <p:cNvSpPr>
+            <a:spLocks noGrp="1"/>
+          </p:cNvSpPr>
+          <p:nvPr>
+            <p:ph type="title"/>
+          </p:nvPr>
+        </p:nvSpPr>
+        <p:spPr>
+          <a:xfrm>
+            <a:off x="3395700" y="2888940"/>
+            <a:ext cx="5400599" cy="1080119"/>
+          </a:xfrm>
+        </p:spPr>
+        <p:txBody>
+          <a:bodyPr>
+            <a:noAutofit/>
+          </a:bodyPr>
+          <a:lstStyle/>
+          <a:p>
+            <a:r>
+              <a:rPr kumimoji="1" lang="ja-JP" altLang="en-US" sz="8000" dirty="0"/>
+              <a:t>～ </a:t>
+            </a:r>
+            <a:r>
+              <a:rPr kumimoji="1" lang="en-US" altLang="ja-JP" sz="8000" dirty="0"/>
+              <a:t>DEMO </a:t>
+            </a:r>
+            <a:r>
+              <a:rPr kumimoji="1" lang="ja-JP" altLang="en-US" sz="8000" dirty="0"/>
+              <a:t>～</a:t>
+            </a:r>
+          </a:p>
+        </p:txBody>
+      </p:sp>
+    </p:spTree>
+    <p:extLst>
+      <p:ext uri="{BB962C8B-B14F-4D97-AF65-F5344CB8AC3E}">
+        <p14:creationId xmlns:p14="http://schemas.microsoft.com/office/powerpoint/2010/main" val="1582287797"/>
+      </p:ext>
+    </p:extLst>
+  </p:cSld>
+  <p:clrMapOvr>
+    <a:masterClrMapping/>
+  </p:clrMapOvr>
+</p:sld>
+</file>
+
+<file path=ppt/slides/slide8.xml><?xml version="1.0" encoding="utf-8"?>
+<p:sld xmlns:a="http://schemas.openxmlformats.org/drawingml/2006/main" xmlns:r="http://schemas.openxmlformats.org/officeDocument/2006/relationships" xmlns:p="http://schemas.openxmlformats.org/presentationml/2006/main">
+  <p:cSld>
+    <p:spTree>
+      <p:nvGrpSpPr>
+        <p:cNvPr id="1" name=""/>
+        <p:cNvGrpSpPr/>
+        <p:nvPr/>
+      </p:nvGrpSpPr>
+      <p:grpSpPr>
+        <a:xfrm>
+          <a:off x="0" y="0"/>
+          <a:ext cx="0" cy="0"/>
+          <a:chOff x="0" y="0"/>
+          <a:chExt cx="0" cy="0"/>
+        </a:xfrm>
+      </p:grpSpPr>
+      <p:sp>
+        <p:nvSpPr>
+          <p:cNvPr id="4" name="タイトル 1">
+            <a:extLst>
+              <a:ext uri="{FF2B5EF4-FFF2-40B4-BE49-F238E27FC236}">
+                <a16:creationId xmlns:a16="http://schemas.microsoft.com/office/drawing/2014/main" id="{CBDBAF74-E60D-4BF7-8474-52622BAACC7F}"/>
+              </a:ext>
+            </a:extLst>
+          </p:cNvPr>
+          <p:cNvSpPr>
+            <a:spLocks noGrp="1"/>
+          </p:cNvSpPr>
+          <p:nvPr>
+            <p:ph type="title"/>
+          </p:nvPr>
+        </p:nvSpPr>
+        <p:spPr>
+          <a:xfrm>
+            <a:off x="3195599" y="44624"/>
+            <a:ext cx="5800801" cy="1080119"/>
+          </a:xfrm>
+        </p:spPr>
+        <p:txBody>
+          <a:bodyPr>
+            <a:noAutofit/>
+          </a:bodyPr>
+          <a:lstStyle/>
+          <a:p>
+            <a:r>
+              <a:rPr kumimoji="1" lang="ja-JP" altLang="en-US" dirty="0"/>
+              <a:t>チームとしての振り返り</a:t>
+            </a:r>
+          </a:p>
+        </p:txBody>
+      </p:sp>
+    </p:spTree>
+    <p:extLst>
+      <p:ext uri="{BB962C8B-B14F-4D97-AF65-F5344CB8AC3E}">
+        <p14:creationId xmlns:p14="http://schemas.microsoft.com/office/powerpoint/2010/main" val="2771028801"/>
+      </p:ext>
+    </p:extLst>
+  </p:cSld>
+  <p:clrMapOvr>
+    <a:masterClrMapping/>
+  </p:clrMapOvr>
+</p:sld>
+</file>
+
 <file path=ppt/theme/theme1.xml><?xml version="1.0" encoding="utf-8"?>
 <a:theme xmlns:a="http://schemas.openxmlformats.org/drawingml/2006/main" name="Office ​​テーマ">
   <a:themeElements>
